--- a/Projeto/Juliana.pptx
+++ b/Projeto/Juliana.pptx
@@ -11,7 +11,21 @@
     <p:sldId id="259" r:id="rId5"/>
     <p:sldId id="260" r:id="rId6"/>
     <p:sldId id="262" r:id="rId7"/>
-    <p:sldId id="261" r:id="rId8"/>
+    <p:sldId id="263" r:id="rId8"/>
+    <p:sldId id="264" r:id="rId9"/>
+    <p:sldId id="268" r:id="rId10"/>
+    <p:sldId id="267" r:id="rId11"/>
+    <p:sldId id="269" r:id="rId12"/>
+    <p:sldId id="266" r:id="rId13"/>
+    <p:sldId id="265" r:id="rId14"/>
+    <p:sldId id="270" r:id="rId15"/>
+    <p:sldId id="274" r:id="rId16"/>
+    <p:sldId id="275" r:id="rId17"/>
+    <p:sldId id="276" r:id="rId18"/>
+    <p:sldId id="279" r:id="rId19"/>
+    <p:sldId id="280" r:id="rId20"/>
+    <p:sldId id="281" r:id="rId21"/>
+    <p:sldId id="261" r:id="rId22"/>
   </p:sldIdLst>
   <p:sldSz cx="12192000" cy="6858000"/>
   <p:notesSz cx="6858000" cy="9144000"/>
@@ -265,7 +279,7 @@
           <a:p>
             <a:fld id="{865B628D-BC99-46B8-888C-67AF5A27E539}" type="datetimeFigureOut">
               <a:rPr lang="en-US" smtClean="0"/>
-              <a:t>6/15/2020</a:t>
+              <a:t>7/6/2020</a:t>
             </a:fld>
             <a:endParaRPr lang="en-US"/>
           </a:p>
@@ -319,7 +333,7 @@
           <a:p>
             <a:fld id="{C4649361-8DCF-4E53-89F1-D1D76B0E0F23}" type="slidenum">
               <a:rPr lang="en-US" smtClean="0"/>
-              <a:t>‹nº›</a:t>
+              <a:t>‹#›</a:t>
             </a:fld>
             <a:endParaRPr lang="en-US"/>
           </a:p>
@@ -463,7 +477,7 @@
           <a:p>
             <a:fld id="{865B628D-BC99-46B8-888C-67AF5A27E539}" type="datetimeFigureOut">
               <a:rPr lang="en-US" smtClean="0"/>
-              <a:t>6/15/2020</a:t>
+              <a:t>7/6/2020</a:t>
             </a:fld>
             <a:endParaRPr lang="en-US"/>
           </a:p>
@@ -517,7 +531,7 @@
           <a:p>
             <a:fld id="{C4649361-8DCF-4E53-89F1-D1D76B0E0F23}" type="slidenum">
               <a:rPr lang="en-US" smtClean="0"/>
-              <a:t>‹nº›</a:t>
+              <a:t>‹#›</a:t>
             </a:fld>
             <a:endParaRPr lang="en-US"/>
           </a:p>
@@ -671,7 +685,7 @@
           <a:p>
             <a:fld id="{865B628D-BC99-46B8-888C-67AF5A27E539}" type="datetimeFigureOut">
               <a:rPr lang="en-US" smtClean="0"/>
-              <a:t>6/15/2020</a:t>
+              <a:t>7/6/2020</a:t>
             </a:fld>
             <a:endParaRPr lang="en-US"/>
           </a:p>
@@ -725,7 +739,7 @@
           <a:p>
             <a:fld id="{C4649361-8DCF-4E53-89F1-D1D76B0E0F23}" type="slidenum">
               <a:rPr lang="en-US" smtClean="0"/>
-              <a:t>‹nº›</a:t>
+              <a:t>‹#›</a:t>
             </a:fld>
             <a:endParaRPr lang="en-US"/>
           </a:p>
@@ -869,7 +883,7 @@
           <a:p>
             <a:fld id="{865B628D-BC99-46B8-888C-67AF5A27E539}" type="datetimeFigureOut">
               <a:rPr lang="en-US" smtClean="0"/>
-              <a:t>6/15/2020</a:t>
+              <a:t>7/6/2020</a:t>
             </a:fld>
             <a:endParaRPr lang="en-US"/>
           </a:p>
@@ -923,7 +937,7 @@
           <a:p>
             <a:fld id="{C4649361-8DCF-4E53-89F1-D1D76B0E0F23}" type="slidenum">
               <a:rPr lang="en-US" smtClean="0"/>
-              <a:t>‹nº›</a:t>
+              <a:t>‹#›</a:t>
             </a:fld>
             <a:endParaRPr lang="en-US"/>
           </a:p>
@@ -1144,7 +1158,7 @@
           <a:p>
             <a:fld id="{865B628D-BC99-46B8-888C-67AF5A27E539}" type="datetimeFigureOut">
               <a:rPr lang="en-US" smtClean="0"/>
-              <a:t>6/15/2020</a:t>
+              <a:t>7/6/2020</a:t>
             </a:fld>
             <a:endParaRPr lang="en-US"/>
           </a:p>
@@ -1198,7 +1212,7 @@
           <a:p>
             <a:fld id="{C4649361-8DCF-4E53-89F1-D1D76B0E0F23}" type="slidenum">
               <a:rPr lang="en-US" smtClean="0"/>
-              <a:t>‹nº›</a:t>
+              <a:t>‹#›</a:t>
             </a:fld>
             <a:endParaRPr lang="en-US"/>
           </a:p>
@@ -1409,7 +1423,7 @@
           <a:p>
             <a:fld id="{865B628D-BC99-46B8-888C-67AF5A27E539}" type="datetimeFigureOut">
               <a:rPr lang="en-US" smtClean="0"/>
-              <a:t>6/15/2020</a:t>
+              <a:t>7/6/2020</a:t>
             </a:fld>
             <a:endParaRPr lang="en-US"/>
           </a:p>
@@ -1463,7 +1477,7 @@
           <a:p>
             <a:fld id="{C4649361-8DCF-4E53-89F1-D1D76B0E0F23}" type="slidenum">
               <a:rPr lang="en-US" smtClean="0"/>
-              <a:t>‹nº›</a:t>
+              <a:t>‹#›</a:t>
             </a:fld>
             <a:endParaRPr lang="en-US"/>
           </a:p>
@@ -1821,7 +1835,7 @@
           <a:p>
             <a:fld id="{865B628D-BC99-46B8-888C-67AF5A27E539}" type="datetimeFigureOut">
               <a:rPr lang="en-US" smtClean="0"/>
-              <a:t>6/15/2020</a:t>
+              <a:t>7/6/2020</a:t>
             </a:fld>
             <a:endParaRPr lang="en-US"/>
           </a:p>
@@ -1875,7 +1889,7 @@
           <a:p>
             <a:fld id="{C4649361-8DCF-4E53-89F1-D1D76B0E0F23}" type="slidenum">
               <a:rPr lang="en-US" smtClean="0"/>
-              <a:t>‹nº›</a:t>
+              <a:t>‹#›</a:t>
             </a:fld>
             <a:endParaRPr lang="en-US"/>
           </a:p>
@@ -1962,7 +1976,7 @@
           <a:p>
             <a:fld id="{865B628D-BC99-46B8-888C-67AF5A27E539}" type="datetimeFigureOut">
               <a:rPr lang="en-US" smtClean="0"/>
-              <a:t>6/15/2020</a:t>
+              <a:t>7/6/2020</a:t>
             </a:fld>
             <a:endParaRPr lang="en-US"/>
           </a:p>
@@ -2016,7 +2030,7 @@
           <a:p>
             <a:fld id="{C4649361-8DCF-4E53-89F1-D1D76B0E0F23}" type="slidenum">
               <a:rPr lang="en-US" smtClean="0"/>
-              <a:t>‹nº›</a:t>
+              <a:t>‹#›</a:t>
             </a:fld>
             <a:endParaRPr lang="en-US"/>
           </a:p>
@@ -2075,7 +2089,7 @@
           <a:p>
             <a:fld id="{865B628D-BC99-46B8-888C-67AF5A27E539}" type="datetimeFigureOut">
               <a:rPr lang="en-US" smtClean="0"/>
-              <a:t>6/15/2020</a:t>
+              <a:t>7/6/2020</a:t>
             </a:fld>
             <a:endParaRPr lang="en-US"/>
           </a:p>
@@ -2129,7 +2143,7 @@
           <a:p>
             <a:fld id="{C4649361-8DCF-4E53-89F1-D1D76B0E0F23}" type="slidenum">
               <a:rPr lang="en-US" smtClean="0"/>
-              <a:t>‹nº›</a:t>
+              <a:t>‹#›</a:t>
             </a:fld>
             <a:endParaRPr lang="en-US"/>
           </a:p>
@@ -2386,7 +2400,7 @@
           <a:p>
             <a:fld id="{865B628D-BC99-46B8-888C-67AF5A27E539}" type="datetimeFigureOut">
               <a:rPr lang="en-US" smtClean="0"/>
-              <a:t>6/15/2020</a:t>
+              <a:t>7/6/2020</a:t>
             </a:fld>
             <a:endParaRPr lang="en-US"/>
           </a:p>
@@ -2440,7 +2454,7 @@
           <a:p>
             <a:fld id="{C4649361-8DCF-4E53-89F1-D1D76B0E0F23}" type="slidenum">
               <a:rPr lang="en-US" smtClean="0"/>
-              <a:t>‹nº›</a:t>
+              <a:t>‹#›</a:t>
             </a:fld>
             <a:endParaRPr lang="en-US"/>
           </a:p>
@@ -2674,7 +2688,7 @@
           <a:p>
             <a:fld id="{865B628D-BC99-46B8-888C-67AF5A27E539}" type="datetimeFigureOut">
               <a:rPr lang="en-US" smtClean="0"/>
-              <a:t>6/15/2020</a:t>
+              <a:t>7/6/2020</a:t>
             </a:fld>
             <a:endParaRPr lang="en-US"/>
           </a:p>
@@ -2728,7 +2742,7 @@
           <a:p>
             <a:fld id="{C4649361-8DCF-4E53-89F1-D1D76B0E0F23}" type="slidenum">
               <a:rPr lang="en-US" smtClean="0"/>
-              <a:t>‹nº›</a:t>
+              <a:t>‹#›</a:t>
             </a:fld>
             <a:endParaRPr lang="en-US"/>
           </a:p>
@@ -2923,7 +2937,7 @@
           <a:p>
             <a:fld id="{865B628D-BC99-46B8-888C-67AF5A27E539}" type="datetimeFigureOut">
               <a:rPr lang="en-US" smtClean="0"/>
-              <a:t>6/15/2020</a:t>
+              <a:t>7/6/2020</a:t>
             </a:fld>
             <a:endParaRPr lang="en-US"/>
           </a:p>
@@ -3013,7 +3027,7 @@
           <a:p>
             <a:fld id="{C4649361-8DCF-4E53-89F1-D1D76B0E0F23}" type="slidenum">
               <a:rPr lang="en-US" smtClean="0"/>
-              <a:t>‹nº›</a:t>
+              <a:t>‹#›</a:t>
             </a:fld>
             <a:endParaRPr lang="en-US"/>
           </a:p>
@@ -3326,6 +3340,14 @@
 <file path=ppt/slides/slide1.xml><?xml version="1.0" encoding="utf-8"?>
 <p:sld xmlns:a="http://schemas.openxmlformats.org/drawingml/2006/main" xmlns:r="http://schemas.openxmlformats.org/officeDocument/2006/relationships" xmlns:p="http://schemas.openxmlformats.org/presentationml/2006/main">
   <p:cSld>
+    <p:bg>
+      <p:bgPr>
+        <a:solidFill>
+          <a:srgbClr val="282A36"/>
+        </a:solidFill>
+        <a:effectLst/>
+      </p:bgPr>
+    </p:bg>
     <p:spTree>
       <p:nvGrpSpPr>
         <p:cNvPr id="1" name=""/>
@@ -3365,6 +3387,9 @@
           <a:p>
             <a:r>
               <a:rPr lang="en-US" dirty="0">
+                <a:solidFill>
+                  <a:srgbClr val="C6DD71"/>
+                </a:solidFill>
                 <a:latin typeface="Bahnschrift" panose="020B0502040204020203" pitchFamily="34" charset="0"/>
               </a:rPr>
               <a:t>PROJETO DE PROGRAMAÇÃO DE BANCO DE DADOS </a:t>
@@ -3399,19 +3424,31 @@
           <a:lstStyle/>
           <a:p>
             <a:r>
-              <a:rPr lang="en-US" dirty="0"/>
+              <a:rPr lang="en-US" dirty="0">
+                <a:solidFill>
+                  <a:schemeClr val="bg1"/>
+                </a:solidFill>
+              </a:rPr>
               <a:t>Leonardo Lopes Nunes</a:t>
             </a:r>
           </a:p>
           <a:p>
             <a:r>
-              <a:rPr lang="en-US" dirty="0"/>
+              <a:rPr lang="en-US" dirty="0">
+                <a:solidFill>
+                  <a:schemeClr val="bg1"/>
+                </a:solidFill>
+              </a:rPr>
               <a:t>Lucas José Povinske</a:t>
             </a:r>
           </a:p>
           <a:p>
             <a:r>
-              <a:rPr lang="en-US" dirty="0"/>
+              <a:rPr lang="en-US" dirty="0">
+                <a:solidFill>
+                  <a:schemeClr val="bg1"/>
+                </a:solidFill>
+              </a:rPr>
               <a:t>Rafael Patricio</a:t>
             </a:r>
           </a:p>
@@ -3430,9 +3467,17 @@
 </p:sld>
 </file>
 
-<file path=ppt/slides/slide2.xml><?xml version="1.0" encoding="utf-8"?>
+<file path=ppt/slides/slide10.xml><?xml version="1.0" encoding="utf-8"?>
 <p:sld xmlns:a="http://schemas.openxmlformats.org/drawingml/2006/main" xmlns:r="http://schemas.openxmlformats.org/officeDocument/2006/relationships" xmlns:p="http://schemas.openxmlformats.org/presentationml/2006/main">
   <p:cSld>
+    <p:bg>
+      <p:bgPr>
+        <a:solidFill>
+          <a:srgbClr val="282A36"/>
+        </a:solidFill>
+        <a:effectLst/>
+      </p:bgPr>
+    </p:bg>
     <p:spTree>
       <p:nvGrpSpPr>
         <p:cNvPr id="1" name=""/>
@@ -3449,18 +3494,18 @@
       </p:grpSpPr>
       <p:sp>
         <p:nvSpPr>
-          <p:cNvPr id="2" name="Title 1">
-            <a:extLst>
-              <a:ext uri="{FF2B5EF4-FFF2-40B4-BE49-F238E27FC236}">
-                <a16:creationId xmlns:a16="http://schemas.microsoft.com/office/drawing/2014/main" id="{CACB6475-F753-46E8-B7EE-694434143E97}"/>
-              </a:ext>
-            </a:extLst>
-          </p:cNvPr>
-          <p:cNvSpPr>
-            <a:spLocks noGrp="1"/>
-          </p:cNvSpPr>
-          <p:nvPr>
-            <p:ph type="title"/>
+          <p:cNvPr id="3" name="Content Placeholder 2">
+            <a:extLst>
+              <a:ext uri="{FF2B5EF4-FFF2-40B4-BE49-F238E27FC236}">
+                <a16:creationId xmlns:a16="http://schemas.microsoft.com/office/drawing/2014/main" id="{F7C5230D-5434-41DC-B2B3-D4137C9AD1E1}"/>
+              </a:ext>
+            </a:extLst>
+          </p:cNvPr>
+          <p:cNvSpPr>
+            <a:spLocks noGrp="1"/>
+          </p:cNvSpPr>
+          <p:nvPr>
+            <p:ph idx="1"/>
           </p:nvPr>
         </p:nvSpPr>
         <p:spPr/>
@@ -3468,84 +3513,62 @@
           <a:bodyPr/>
           <a:lstStyle/>
           <a:p>
-            <a:pPr algn="ctr"/>
-            <a:r>
-              <a:rPr lang="en-US" dirty="0">
-                <a:latin typeface="Bahnschrift" panose="020B0502040204020203" pitchFamily="34" charset="0"/>
-              </a:rPr>
-              <a:t>A LIVRARIA</a:t>
-            </a:r>
-          </a:p>
-        </p:txBody>
-      </p:sp>
-      <p:sp>
-        <p:nvSpPr>
-          <p:cNvPr id="3" name="Content Placeholder 2">
-            <a:extLst>
-              <a:ext uri="{FF2B5EF4-FFF2-40B4-BE49-F238E27FC236}">
-                <a16:creationId xmlns:a16="http://schemas.microsoft.com/office/drawing/2014/main" id="{36C7357F-8FBE-4463-8792-2A88C8143A61}"/>
-              </a:ext>
-            </a:extLst>
-          </p:cNvPr>
-          <p:cNvSpPr>
-            <a:spLocks noGrp="1"/>
-          </p:cNvSpPr>
-          <p:nvPr>
-            <p:ph idx="1"/>
-          </p:nvPr>
-        </p:nvSpPr>
-        <p:spPr/>
-        <p:txBody>
-          <a:bodyPr>
-            <a:normAutofit/>
-          </a:bodyPr>
-          <a:lstStyle/>
-          <a:p>
-            <a:pPr algn="just"/>
-            <a:r>
-              <a:rPr lang="pt-BR" dirty="0"/>
-              <a:t>Lucas era alguém fascinado por livros, tanto que um dia decidiu abrir sua própria livraria. Para isso ele criou um sistema online em que são cadastrados: </a:t>
-            </a:r>
-            <a:r>
-              <a:rPr lang="pt-BR" i="1" dirty="0"/>
-              <a:t>o gênero, número de edição, gênero, ano de edição, ISBN, nome, e editora </a:t>
-            </a:r>
-            <a:r>
-              <a:rPr lang="pt-BR" dirty="0"/>
-              <a:t>dos livros. Os livros possuem exemplares, que são cadastrados informando suas</a:t>
-            </a:r>
-            <a:r>
-              <a:rPr lang="pt-BR" i="1" dirty="0"/>
-              <a:t> páginas, acabamento, país e idioma</a:t>
-            </a:r>
-            <a:r>
-              <a:rPr lang="pt-BR" dirty="0"/>
-              <a:t>. Existe um fornecedor para os livros que são entregues a loja, e para eles é informado o seu </a:t>
-            </a:r>
-            <a:r>
-              <a:rPr lang="pt-BR" i="1" dirty="0"/>
-              <a:t>ID, nome, empresa, a quantidade de livros e o horário </a:t>
-            </a:r>
-            <a:r>
-              <a:rPr lang="pt-BR" dirty="0"/>
-              <a:t>para qual os livros foram enviados, para melhor catalogar o que há em estoque. Para cada autor que escreve o livro, o sistema possui seu </a:t>
-            </a:r>
-            <a:r>
-              <a:rPr lang="pt-BR" i="1" dirty="0"/>
-              <a:t>nome e nacionalidade</a:t>
-            </a:r>
-            <a:r>
-              <a:rPr lang="pt-BR" dirty="0"/>
-              <a:t>. </a:t>
-            </a:r>
-            <a:endParaRPr lang="en-US" dirty="0"/>
-          </a:p>
-        </p:txBody>
-      </p:sp>
+            <a:pPr marL="0" indent="0" algn="ctr">
+              <a:buNone/>
+            </a:pPr>
+            <a:br>
+              <a:rPr lang="en-US" dirty="0"/>
+            </a:br>
+            <a:br>
+              <a:rPr lang="en-US" sz="4400" dirty="0"/>
+            </a:br>
+            <a:endParaRPr lang="en-US" sz="4400" dirty="0"/>
+          </a:p>
+          <a:p>
+            <a:pPr marL="0" indent="0" algn="ctr">
+              <a:buNone/>
+            </a:pPr>
+            <a:endParaRPr lang="en-US" sz="4000" dirty="0"/>
+          </a:p>
+        </p:txBody>
+      </p:sp>
+      <p:pic>
+        <p:nvPicPr>
+          <p:cNvPr id="2" name="Picture 1">
+            <a:extLst>
+              <a:ext uri="{FF2B5EF4-FFF2-40B4-BE49-F238E27FC236}">
+                <a16:creationId xmlns:a16="http://schemas.microsoft.com/office/drawing/2014/main" id="{D6E1FDC6-B05D-4ACC-9857-6AC988A1F513}"/>
+              </a:ext>
+            </a:extLst>
+          </p:cNvPr>
+          <p:cNvPicPr>
+            <a:picLocks noChangeAspect="1"/>
+          </p:cNvPicPr>
+          <p:nvPr/>
+        </p:nvPicPr>
+        <p:blipFill>
+          <a:blip r:embed="rId2"/>
+          <a:stretch>
+            <a:fillRect/>
+          </a:stretch>
+        </p:blipFill>
+        <p:spPr>
+          <a:xfrm>
+            <a:off x="1896155" y="217643"/>
+            <a:ext cx="8399689" cy="6422713"/>
+          </a:xfrm>
+          <a:prstGeom prst="rect">
+            <a:avLst/>
+          </a:prstGeom>
+          <a:solidFill>
+            <a:srgbClr val="C6DD71"/>
+          </a:solidFill>
+        </p:spPr>
+      </p:pic>
     </p:spTree>
     <p:extLst>
       <p:ext uri="{BB962C8B-B14F-4D97-AF65-F5344CB8AC3E}">
-        <p14:creationId xmlns:p14="http://schemas.microsoft.com/office/powerpoint/2010/main" val="3979608468"/>
+        <p14:creationId xmlns:p14="http://schemas.microsoft.com/office/powerpoint/2010/main" val="3747795279"/>
       </p:ext>
     </p:extLst>
   </p:cSld>
@@ -3555,9 +3578,17 @@
 </p:sld>
 </file>
 
-<file path=ppt/slides/slide3.xml><?xml version="1.0" encoding="utf-8"?>
+<file path=ppt/slides/slide11.xml><?xml version="1.0" encoding="utf-8"?>
 <p:sld xmlns:a="http://schemas.openxmlformats.org/drawingml/2006/main" xmlns:r="http://schemas.openxmlformats.org/officeDocument/2006/relationships" xmlns:p="http://schemas.openxmlformats.org/presentationml/2006/main">
   <p:cSld>
+    <p:bg>
+      <p:bgPr>
+        <a:solidFill>
+          <a:srgbClr val="282A36"/>
+        </a:solidFill>
+        <a:effectLst/>
+      </p:bgPr>
+    </p:bg>
     <p:spTree>
       <p:nvGrpSpPr>
         <p:cNvPr id="1" name=""/>
@@ -3574,6 +3605,1276 @@
       </p:grpSpPr>
       <p:sp>
         <p:nvSpPr>
+          <p:cNvPr id="3" name="Content Placeholder 2">
+            <a:extLst>
+              <a:ext uri="{FF2B5EF4-FFF2-40B4-BE49-F238E27FC236}">
+                <a16:creationId xmlns:a16="http://schemas.microsoft.com/office/drawing/2014/main" id="{F7C5230D-5434-41DC-B2B3-D4137C9AD1E1}"/>
+              </a:ext>
+            </a:extLst>
+          </p:cNvPr>
+          <p:cNvSpPr>
+            <a:spLocks noGrp="1"/>
+          </p:cNvSpPr>
+          <p:nvPr>
+            <p:ph idx="1"/>
+          </p:nvPr>
+        </p:nvSpPr>
+        <p:spPr/>
+        <p:txBody>
+          <a:bodyPr/>
+          <a:lstStyle/>
+          <a:p>
+            <a:pPr marL="0" indent="0" algn="ctr">
+              <a:buNone/>
+            </a:pPr>
+            <a:br>
+              <a:rPr lang="en-US" dirty="0">
+                <a:solidFill>
+                  <a:srgbClr val="BB629C"/>
+                </a:solidFill>
+              </a:rPr>
+            </a:br>
+            <a:br>
+              <a:rPr lang="en-US" sz="4400" dirty="0">
+                <a:solidFill>
+                  <a:srgbClr val="BB629C"/>
+                </a:solidFill>
+              </a:rPr>
+            </a:br>
+            <a:r>
+              <a:rPr lang="en-US" sz="6600" dirty="0">
+                <a:solidFill>
+                  <a:srgbClr val="BB629C"/>
+                </a:solidFill>
+              </a:rPr>
+              <a:t>TRIGGER</a:t>
+            </a:r>
+            <a:endParaRPr lang="en-US" sz="4400" dirty="0">
+              <a:solidFill>
+                <a:srgbClr val="BB629C"/>
+              </a:solidFill>
+            </a:endParaRPr>
+          </a:p>
+          <a:p>
+            <a:pPr marL="0" indent="0" algn="ctr">
+              <a:buNone/>
+            </a:pPr>
+            <a:endParaRPr lang="en-US" sz="4000" dirty="0"/>
+          </a:p>
+        </p:txBody>
+      </p:sp>
+    </p:spTree>
+    <p:extLst>
+      <p:ext uri="{BB962C8B-B14F-4D97-AF65-F5344CB8AC3E}">
+        <p14:creationId xmlns:p14="http://schemas.microsoft.com/office/powerpoint/2010/main" val="563612359"/>
+      </p:ext>
+    </p:extLst>
+  </p:cSld>
+  <p:clrMapOvr>
+    <a:masterClrMapping/>
+  </p:clrMapOvr>
+</p:sld>
+</file>
+
+<file path=ppt/slides/slide12.xml><?xml version="1.0" encoding="utf-8"?>
+<p:sld xmlns:a="http://schemas.openxmlformats.org/drawingml/2006/main" xmlns:r="http://schemas.openxmlformats.org/officeDocument/2006/relationships" xmlns:p="http://schemas.openxmlformats.org/presentationml/2006/main">
+  <p:cSld>
+    <p:bg>
+      <p:bgPr>
+        <a:solidFill>
+          <a:srgbClr val="282A36"/>
+        </a:solidFill>
+        <a:effectLst/>
+      </p:bgPr>
+    </p:bg>
+    <p:spTree>
+      <p:nvGrpSpPr>
+        <p:cNvPr id="1" name=""/>
+        <p:cNvGrpSpPr/>
+        <p:nvPr/>
+      </p:nvGrpSpPr>
+      <p:grpSpPr>
+        <a:xfrm>
+          <a:off x="0" y="0"/>
+          <a:ext cx="0" cy="0"/>
+          <a:chOff x="0" y="0"/>
+          <a:chExt cx="0" cy="0"/>
+        </a:xfrm>
+      </p:grpSpPr>
+      <p:sp>
+        <p:nvSpPr>
+          <p:cNvPr id="3" name="Content Placeholder 2">
+            <a:extLst>
+              <a:ext uri="{FF2B5EF4-FFF2-40B4-BE49-F238E27FC236}">
+                <a16:creationId xmlns:a16="http://schemas.microsoft.com/office/drawing/2014/main" id="{F7C5230D-5434-41DC-B2B3-D4137C9AD1E1}"/>
+              </a:ext>
+            </a:extLst>
+          </p:cNvPr>
+          <p:cNvSpPr>
+            <a:spLocks noGrp="1"/>
+          </p:cNvSpPr>
+          <p:nvPr>
+            <p:ph idx="1"/>
+          </p:nvPr>
+        </p:nvSpPr>
+        <p:spPr/>
+        <p:txBody>
+          <a:bodyPr/>
+          <a:lstStyle/>
+          <a:p>
+            <a:pPr marL="0" indent="0" algn="ctr">
+              <a:buNone/>
+            </a:pPr>
+            <a:br>
+              <a:rPr lang="en-US" dirty="0"/>
+            </a:br>
+            <a:br>
+              <a:rPr lang="en-US" sz="4400" dirty="0"/>
+            </a:br>
+            <a:endParaRPr lang="en-US" sz="4400" dirty="0"/>
+          </a:p>
+          <a:p>
+            <a:pPr marL="0" indent="0" algn="ctr">
+              <a:buNone/>
+            </a:pPr>
+            <a:endParaRPr lang="en-US" sz="4000" dirty="0"/>
+          </a:p>
+        </p:txBody>
+      </p:sp>
+      <p:pic>
+        <p:nvPicPr>
+          <p:cNvPr id="2" name="Picture 1">
+            <a:extLst>
+              <a:ext uri="{FF2B5EF4-FFF2-40B4-BE49-F238E27FC236}">
+                <a16:creationId xmlns:a16="http://schemas.microsoft.com/office/drawing/2014/main" id="{BE8FB879-BE17-4AA2-AA5E-5AD2226BF3CA}"/>
+              </a:ext>
+            </a:extLst>
+          </p:cNvPr>
+          <p:cNvPicPr>
+            <a:picLocks noChangeAspect="1"/>
+          </p:cNvPicPr>
+          <p:nvPr/>
+        </p:nvPicPr>
+        <p:blipFill>
+          <a:blip r:embed="rId2"/>
+          <a:stretch>
+            <a:fillRect/>
+          </a:stretch>
+        </p:blipFill>
+        <p:spPr>
+          <a:xfrm>
+            <a:off x="838200" y="1043312"/>
+            <a:ext cx="10668990" cy="4771376"/>
+          </a:xfrm>
+          <a:prstGeom prst="rect">
+            <a:avLst/>
+          </a:prstGeom>
+          <a:solidFill>
+            <a:srgbClr val="282A36"/>
+          </a:solidFill>
+        </p:spPr>
+      </p:pic>
+    </p:spTree>
+    <p:extLst>
+      <p:ext uri="{BB962C8B-B14F-4D97-AF65-F5344CB8AC3E}">
+        <p14:creationId xmlns:p14="http://schemas.microsoft.com/office/powerpoint/2010/main" val="1853146116"/>
+      </p:ext>
+    </p:extLst>
+  </p:cSld>
+  <p:clrMapOvr>
+    <a:masterClrMapping/>
+  </p:clrMapOvr>
+</p:sld>
+</file>
+
+<file path=ppt/slides/slide13.xml><?xml version="1.0" encoding="utf-8"?>
+<p:sld xmlns:a="http://schemas.openxmlformats.org/drawingml/2006/main" xmlns:r="http://schemas.openxmlformats.org/officeDocument/2006/relationships" xmlns:p="http://schemas.openxmlformats.org/presentationml/2006/main">
+  <p:cSld>
+    <p:bg>
+      <p:bgPr>
+        <a:solidFill>
+          <a:srgbClr val="282A36"/>
+        </a:solidFill>
+        <a:effectLst/>
+      </p:bgPr>
+    </p:bg>
+    <p:spTree>
+      <p:nvGrpSpPr>
+        <p:cNvPr id="1" name=""/>
+        <p:cNvGrpSpPr/>
+        <p:nvPr/>
+      </p:nvGrpSpPr>
+      <p:grpSpPr>
+        <a:xfrm>
+          <a:off x="0" y="0"/>
+          <a:ext cx="0" cy="0"/>
+          <a:chOff x="0" y="0"/>
+          <a:chExt cx="0" cy="0"/>
+        </a:xfrm>
+      </p:grpSpPr>
+      <p:sp>
+        <p:nvSpPr>
+          <p:cNvPr id="3" name="Content Placeholder 2">
+            <a:extLst>
+              <a:ext uri="{FF2B5EF4-FFF2-40B4-BE49-F238E27FC236}">
+                <a16:creationId xmlns:a16="http://schemas.microsoft.com/office/drawing/2014/main" id="{F7C5230D-5434-41DC-B2B3-D4137C9AD1E1}"/>
+              </a:ext>
+            </a:extLst>
+          </p:cNvPr>
+          <p:cNvSpPr>
+            <a:spLocks noGrp="1"/>
+          </p:cNvSpPr>
+          <p:nvPr>
+            <p:ph idx="1"/>
+          </p:nvPr>
+        </p:nvSpPr>
+        <p:spPr/>
+        <p:txBody>
+          <a:bodyPr/>
+          <a:lstStyle/>
+          <a:p>
+            <a:pPr marL="0" indent="0" algn="ctr">
+              <a:buNone/>
+            </a:pPr>
+            <a:br>
+              <a:rPr lang="en-US" dirty="0"/>
+            </a:br>
+            <a:br>
+              <a:rPr lang="en-US" sz="4400" dirty="0"/>
+            </a:br>
+            <a:endParaRPr lang="en-US" sz="4400" dirty="0"/>
+          </a:p>
+          <a:p>
+            <a:pPr marL="0" indent="0" algn="ctr">
+              <a:buNone/>
+            </a:pPr>
+            <a:endParaRPr lang="en-US" sz="4000" dirty="0"/>
+          </a:p>
+        </p:txBody>
+      </p:sp>
+      <p:pic>
+        <p:nvPicPr>
+          <p:cNvPr id="2" name="Picture 1">
+            <a:extLst>
+              <a:ext uri="{FF2B5EF4-FFF2-40B4-BE49-F238E27FC236}">
+                <a16:creationId xmlns:a16="http://schemas.microsoft.com/office/drawing/2014/main" id="{E82A5CFE-D228-49C5-BFBE-D2B3A2EAF77A}"/>
+              </a:ext>
+            </a:extLst>
+          </p:cNvPr>
+          <p:cNvPicPr>
+            <a:picLocks noChangeAspect="1"/>
+          </p:cNvPicPr>
+          <p:nvPr/>
+        </p:nvPicPr>
+        <p:blipFill>
+          <a:blip r:embed="rId2"/>
+          <a:stretch>
+            <a:fillRect/>
+          </a:stretch>
+        </p:blipFill>
+        <p:spPr>
+          <a:xfrm>
+            <a:off x="1118754" y="205987"/>
+            <a:ext cx="9954491" cy="6446026"/>
+          </a:xfrm>
+          <a:prstGeom prst="rect">
+            <a:avLst/>
+          </a:prstGeom>
+        </p:spPr>
+      </p:pic>
+    </p:spTree>
+    <p:extLst>
+      <p:ext uri="{BB962C8B-B14F-4D97-AF65-F5344CB8AC3E}">
+        <p14:creationId xmlns:p14="http://schemas.microsoft.com/office/powerpoint/2010/main" val="2470198602"/>
+      </p:ext>
+    </p:extLst>
+  </p:cSld>
+  <p:clrMapOvr>
+    <a:masterClrMapping/>
+  </p:clrMapOvr>
+</p:sld>
+</file>
+
+<file path=ppt/slides/slide14.xml><?xml version="1.0" encoding="utf-8"?>
+<p:sld xmlns:a="http://schemas.openxmlformats.org/drawingml/2006/main" xmlns:r="http://schemas.openxmlformats.org/officeDocument/2006/relationships" xmlns:p="http://schemas.openxmlformats.org/presentationml/2006/main">
+  <p:cSld>
+    <p:bg>
+      <p:bgPr>
+        <a:solidFill>
+          <a:srgbClr val="282A36"/>
+        </a:solidFill>
+        <a:effectLst/>
+      </p:bgPr>
+    </p:bg>
+    <p:spTree>
+      <p:nvGrpSpPr>
+        <p:cNvPr id="1" name=""/>
+        <p:cNvGrpSpPr/>
+        <p:nvPr/>
+      </p:nvGrpSpPr>
+      <p:grpSpPr>
+        <a:xfrm>
+          <a:off x="0" y="0"/>
+          <a:ext cx="0" cy="0"/>
+          <a:chOff x="0" y="0"/>
+          <a:chExt cx="0" cy="0"/>
+        </a:xfrm>
+      </p:grpSpPr>
+      <p:sp>
+        <p:nvSpPr>
+          <p:cNvPr id="3" name="Content Placeholder 2">
+            <a:extLst>
+              <a:ext uri="{FF2B5EF4-FFF2-40B4-BE49-F238E27FC236}">
+                <a16:creationId xmlns:a16="http://schemas.microsoft.com/office/drawing/2014/main" id="{F7C5230D-5434-41DC-B2B3-D4137C9AD1E1}"/>
+              </a:ext>
+            </a:extLst>
+          </p:cNvPr>
+          <p:cNvSpPr>
+            <a:spLocks noGrp="1"/>
+          </p:cNvSpPr>
+          <p:nvPr>
+            <p:ph idx="1"/>
+          </p:nvPr>
+        </p:nvSpPr>
+        <p:spPr/>
+        <p:txBody>
+          <a:bodyPr/>
+          <a:lstStyle/>
+          <a:p>
+            <a:pPr marL="0" indent="0" algn="ctr">
+              <a:buNone/>
+            </a:pPr>
+            <a:br>
+              <a:rPr lang="en-US" dirty="0">
+                <a:solidFill>
+                  <a:srgbClr val="BB629C"/>
+                </a:solidFill>
+              </a:rPr>
+            </a:br>
+            <a:br>
+              <a:rPr lang="en-US" sz="4400" dirty="0">
+                <a:solidFill>
+                  <a:srgbClr val="BB629C"/>
+                </a:solidFill>
+              </a:rPr>
+            </a:br>
+            <a:r>
+              <a:rPr lang="en-US" sz="6600" dirty="0">
+                <a:solidFill>
+                  <a:srgbClr val="BB629C"/>
+                </a:solidFill>
+              </a:rPr>
+              <a:t>SELECTS</a:t>
+            </a:r>
+            <a:endParaRPr lang="en-US" sz="4400" dirty="0">
+              <a:solidFill>
+                <a:srgbClr val="BB629C"/>
+              </a:solidFill>
+            </a:endParaRPr>
+          </a:p>
+          <a:p>
+            <a:pPr marL="0" indent="0" algn="ctr">
+              <a:buNone/>
+            </a:pPr>
+            <a:endParaRPr lang="en-US" sz="4000" dirty="0"/>
+          </a:p>
+        </p:txBody>
+      </p:sp>
+    </p:spTree>
+    <p:extLst>
+      <p:ext uri="{BB962C8B-B14F-4D97-AF65-F5344CB8AC3E}">
+        <p14:creationId xmlns:p14="http://schemas.microsoft.com/office/powerpoint/2010/main" val="3198061851"/>
+      </p:ext>
+    </p:extLst>
+  </p:cSld>
+  <p:clrMapOvr>
+    <a:masterClrMapping/>
+  </p:clrMapOvr>
+</p:sld>
+</file>
+
+<file path=ppt/slides/slide15.xml><?xml version="1.0" encoding="utf-8"?>
+<p:sld xmlns:a="http://schemas.openxmlformats.org/drawingml/2006/main" xmlns:r="http://schemas.openxmlformats.org/officeDocument/2006/relationships" xmlns:p="http://schemas.openxmlformats.org/presentationml/2006/main">
+  <p:cSld>
+    <p:bg>
+      <p:bgPr>
+        <a:solidFill>
+          <a:srgbClr val="282A36"/>
+        </a:solidFill>
+        <a:effectLst/>
+      </p:bgPr>
+    </p:bg>
+    <p:spTree>
+      <p:nvGrpSpPr>
+        <p:cNvPr id="1" name=""/>
+        <p:cNvGrpSpPr/>
+        <p:nvPr/>
+      </p:nvGrpSpPr>
+      <p:grpSpPr>
+        <a:xfrm>
+          <a:off x="0" y="0"/>
+          <a:ext cx="0" cy="0"/>
+          <a:chOff x="0" y="0"/>
+          <a:chExt cx="0" cy="0"/>
+        </a:xfrm>
+      </p:grpSpPr>
+      <p:sp>
+        <p:nvSpPr>
+          <p:cNvPr id="3" name="Content Placeholder 2">
+            <a:extLst>
+              <a:ext uri="{FF2B5EF4-FFF2-40B4-BE49-F238E27FC236}">
+                <a16:creationId xmlns:a16="http://schemas.microsoft.com/office/drawing/2014/main" id="{F7C5230D-5434-41DC-B2B3-D4137C9AD1E1}"/>
+              </a:ext>
+            </a:extLst>
+          </p:cNvPr>
+          <p:cNvSpPr>
+            <a:spLocks noGrp="1"/>
+          </p:cNvSpPr>
+          <p:nvPr>
+            <p:ph idx="1"/>
+          </p:nvPr>
+        </p:nvSpPr>
+        <p:spPr>
+          <a:xfrm>
+            <a:off x="838200" y="377825"/>
+            <a:ext cx="10515600" cy="1080861"/>
+          </a:xfrm>
+        </p:spPr>
+        <p:txBody>
+          <a:bodyPr>
+            <a:normAutofit fontScale="62500" lnSpcReduction="20000"/>
+          </a:bodyPr>
+          <a:lstStyle/>
+          <a:p>
+            <a:pPr marL="0" indent="0" algn="ctr">
+              <a:buNone/>
+            </a:pPr>
+            <a:br>
+              <a:rPr lang="en-US" dirty="0">
+                <a:solidFill>
+                  <a:srgbClr val="BB629C"/>
+                </a:solidFill>
+              </a:rPr>
+            </a:br>
+            <a:br>
+              <a:rPr lang="en-US" sz="4400" dirty="0">
+                <a:solidFill>
+                  <a:srgbClr val="BB629C"/>
+                </a:solidFill>
+              </a:rPr>
+            </a:br>
+            <a:r>
+              <a:rPr lang="en-US" sz="6600" dirty="0">
+                <a:solidFill>
+                  <a:srgbClr val="BB629C"/>
+                </a:solidFill>
+              </a:rPr>
+              <a:t>SELECTS</a:t>
+            </a:r>
+            <a:endParaRPr lang="en-US" sz="4400" dirty="0">
+              <a:solidFill>
+                <a:srgbClr val="BB629C"/>
+              </a:solidFill>
+            </a:endParaRPr>
+          </a:p>
+          <a:p>
+            <a:pPr marL="0" indent="0" algn="ctr">
+              <a:buNone/>
+            </a:pPr>
+            <a:endParaRPr lang="en-US" sz="4000" dirty="0"/>
+          </a:p>
+        </p:txBody>
+      </p:sp>
+      <p:pic>
+        <p:nvPicPr>
+          <p:cNvPr id="2" name="Picture 1">
+            <a:extLst>
+              <a:ext uri="{FF2B5EF4-FFF2-40B4-BE49-F238E27FC236}">
+                <a16:creationId xmlns:a16="http://schemas.microsoft.com/office/drawing/2014/main" id="{DB5A6F1B-BBC4-4506-B06A-7B4AC555ADE7}"/>
+              </a:ext>
+            </a:extLst>
+          </p:cNvPr>
+          <p:cNvPicPr>
+            <a:picLocks noChangeAspect="1"/>
+          </p:cNvPicPr>
+          <p:nvPr/>
+        </p:nvPicPr>
+        <p:blipFill>
+          <a:blip r:embed="rId2"/>
+          <a:stretch>
+            <a:fillRect/>
+          </a:stretch>
+        </p:blipFill>
+        <p:spPr>
+          <a:xfrm>
+            <a:off x="276902" y="1942418"/>
+            <a:ext cx="11638196" cy="1486582"/>
+          </a:xfrm>
+          <a:prstGeom prst="rect">
+            <a:avLst/>
+          </a:prstGeom>
+        </p:spPr>
+      </p:pic>
+      <p:pic>
+        <p:nvPicPr>
+          <p:cNvPr id="6" name="Picture 5">
+            <a:extLst>
+              <a:ext uri="{FF2B5EF4-FFF2-40B4-BE49-F238E27FC236}">
+                <a16:creationId xmlns:a16="http://schemas.microsoft.com/office/drawing/2014/main" id="{6CB29A53-644A-4624-ADC3-0CFDBFE86F99}"/>
+              </a:ext>
+            </a:extLst>
+          </p:cNvPr>
+          <p:cNvPicPr>
+            <a:picLocks noChangeAspect="1"/>
+          </p:cNvPicPr>
+          <p:nvPr/>
+        </p:nvPicPr>
+        <p:blipFill>
+          <a:blip r:embed="rId3">
+            <a:extLst>
+              <a:ext uri="{28A0092B-C50C-407E-A947-70E740481C1C}">
+                <a14:useLocalDpi xmlns:a14="http://schemas.microsoft.com/office/drawing/2010/main" val="0"/>
+              </a:ext>
+            </a:extLst>
+          </a:blip>
+          <a:stretch>
+            <a:fillRect/>
+          </a:stretch>
+        </p:blipFill>
+        <p:spPr>
+          <a:xfrm>
+            <a:off x="4215581" y="3907291"/>
+            <a:ext cx="3608437" cy="1024618"/>
+          </a:xfrm>
+          <a:prstGeom prst="rect">
+            <a:avLst/>
+          </a:prstGeom>
+        </p:spPr>
+      </p:pic>
+    </p:spTree>
+    <p:extLst>
+      <p:ext uri="{BB962C8B-B14F-4D97-AF65-F5344CB8AC3E}">
+        <p14:creationId xmlns:p14="http://schemas.microsoft.com/office/powerpoint/2010/main" val="185526637"/>
+      </p:ext>
+    </p:extLst>
+  </p:cSld>
+  <p:clrMapOvr>
+    <a:masterClrMapping/>
+  </p:clrMapOvr>
+</p:sld>
+</file>
+
+<file path=ppt/slides/slide16.xml><?xml version="1.0" encoding="utf-8"?>
+<p:sld xmlns:a="http://schemas.openxmlformats.org/drawingml/2006/main" xmlns:r="http://schemas.openxmlformats.org/officeDocument/2006/relationships" xmlns:p="http://schemas.openxmlformats.org/presentationml/2006/main">
+  <p:cSld>
+    <p:bg>
+      <p:bgPr>
+        <a:solidFill>
+          <a:srgbClr val="282A36"/>
+        </a:solidFill>
+        <a:effectLst/>
+      </p:bgPr>
+    </p:bg>
+    <p:spTree>
+      <p:nvGrpSpPr>
+        <p:cNvPr id="1" name=""/>
+        <p:cNvGrpSpPr/>
+        <p:nvPr/>
+      </p:nvGrpSpPr>
+      <p:grpSpPr>
+        <a:xfrm>
+          <a:off x="0" y="0"/>
+          <a:ext cx="0" cy="0"/>
+          <a:chOff x="0" y="0"/>
+          <a:chExt cx="0" cy="0"/>
+        </a:xfrm>
+      </p:grpSpPr>
+      <p:sp>
+        <p:nvSpPr>
+          <p:cNvPr id="3" name="Content Placeholder 2">
+            <a:extLst>
+              <a:ext uri="{FF2B5EF4-FFF2-40B4-BE49-F238E27FC236}">
+                <a16:creationId xmlns:a16="http://schemas.microsoft.com/office/drawing/2014/main" id="{F7C5230D-5434-41DC-B2B3-D4137C9AD1E1}"/>
+              </a:ext>
+            </a:extLst>
+          </p:cNvPr>
+          <p:cNvSpPr>
+            <a:spLocks noGrp="1"/>
+          </p:cNvSpPr>
+          <p:nvPr>
+            <p:ph idx="1"/>
+          </p:nvPr>
+        </p:nvSpPr>
+        <p:spPr>
+          <a:xfrm>
+            <a:off x="838200" y="377825"/>
+            <a:ext cx="10515600" cy="1080861"/>
+          </a:xfrm>
+        </p:spPr>
+        <p:txBody>
+          <a:bodyPr>
+            <a:normAutofit fontScale="62500" lnSpcReduction="20000"/>
+          </a:bodyPr>
+          <a:lstStyle/>
+          <a:p>
+            <a:pPr marL="0" indent="0" algn="ctr">
+              <a:buNone/>
+            </a:pPr>
+            <a:br>
+              <a:rPr lang="en-US" dirty="0">
+                <a:solidFill>
+                  <a:srgbClr val="BB629C"/>
+                </a:solidFill>
+              </a:rPr>
+            </a:br>
+            <a:br>
+              <a:rPr lang="en-US" sz="4400" dirty="0">
+                <a:solidFill>
+                  <a:srgbClr val="BB629C"/>
+                </a:solidFill>
+              </a:rPr>
+            </a:br>
+            <a:r>
+              <a:rPr lang="en-US" sz="6600" dirty="0">
+                <a:solidFill>
+                  <a:srgbClr val="BB629C"/>
+                </a:solidFill>
+              </a:rPr>
+              <a:t>SELECTS</a:t>
+            </a:r>
+            <a:endParaRPr lang="en-US" sz="4400" dirty="0">
+              <a:solidFill>
+                <a:srgbClr val="BB629C"/>
+              </a:solidFill>
+            </a:endParaRPr>
+          </a:p>
+          <a:p>
+            <a:pPr marL="0" indent="0" algn="ctr">
+              <a:buNone/>
+            </a:pPr>
+            <a:endParaRPr lang="en-US" sz="4000" dirty="0"/>
+          </a:p>
+        </p:txBody>
+      </p:sp>
+      <p:pic>
+        <p:nvPicPr>
+          <p:cNvPr id="4" name="Picture 3">
+            <a:extLst>
+              <a:ext uri="{FF2B5EF4-FFF2-40B4-BE49-F238E27FC236}">
+                <a16:creationId xmlns:a16="http://schemas.microsoft.com/office/drawing/2014/main" id="{BDD9DF26-66B7-4770-867B-89CA8FFC07EC}"/>
+              </a:ext>
+            </a:extLst>
+          </p:cNvPr>
+          <p:cNvPicPr>
+            <a:picLocks noChangeAspect="1"/>
+          </p:cNvPicPr>
+          <p:nvPr/>
+        </p:nvPicPr>
+        <p:blipFill>
+          <a:blip r:embed="rId2"/>
+          <a:stretch>
+            <a:fillRect/>
+          </a:stretch>
+        </p:blipFill>
+        <p:spPr>
+          <a:xfrm>
+            <a:off x="1904010" y="1458686"/>
+            <a:ext cx="8383980" cy="1636940"/>
+          </a:xfrm>
+          <a:prstGeom prst="rect">
+            <a:avLst/>
+          </a:prstGeom>
+        </p:spPr>
+      </p:pic>
+      <p:pic>
+        <p:nvPicPr>
+          <p:cNvPr id="7" name="Picture 6" descr="A screenshot of a cell phone&#10;&#10;Description automatically generated">
+            <a:extLst>
+              <a:ext uri="{FF2B5EF4-FFF2-40B4-BE49-F238E27FC236}">
+                <a16:creationId xmlns:a16="http://schemas.microsoft.com/office/drawing/2014/main" id="{5C44AC0A-1E43-4AFF-A51B-32788771BE6A}"/>
+              </a:ext>
+            </a:extLst>
+          </p:cNvPr>
+          <p:cNvPicPr>
+            <a:picLocks noChangeAspect="1"/>
+          </p:cNvPicPr>
+          <p:nvPr/>
+        </p:nvPicPr>
+        <p:blipFill>
+          <a:blip r:embed="rId3">
+            <a:extLst>
+              <a:ext uri="{28A0092B-C50C-407E-A947-70E740481C1C}">
+                <a14:useLocalDpi xmlns:a14="http://schemas.microsoft.com/office/drawing/2010/main" val="0"/>
+              </a:ext>
+            </a:extLst>
+          </a:blip>
+          <a:stretch>
+            <a:fillRect/>
+          </a:stretch>
+        </p:blipFill>
+        <p:spPr>
+          <a:xfrm>
+            <a:off x="2619714" y="3762375"/>
+            <a:ext cx="6952572" cy="1264104"/>
+          </a:xfrm>
+          <a:prstGeom prst="rect">
+            <a:avLst/>
+          </a:prstGeom>
+        </p:spPr>
+      </p:pic>
+    </p:spTree>
+    <p:extLst>
+      <p:ext uri="{BB962C8B-B14F-4D97-AF65-F5344CB8AC3E}">
+        <p14:creationId xmlns:p14="http://schemas.microsoft.com/office/powerpoint/2010/main" val="2846460194"/>
+      </p:ext>
+    </p:extLst>
+  </p:cSld>
+  <p:clrMapOvr>
+    <a:masterClrMapping/>
+  </p:clrMapOvr>
+</p:sld>
+</file>
+
+<file path=ppt/slides/slide17.xml><?xml version="1.0" encoding="utf-8"?>
+<p:sld xmlns:a="http://schemas.openxmlformats.org/drawingml/2006/main" xmlns:r="http://schemas.openxmlformats.org/officeDocument/2006/relationships" xmlns:p="http://schemas.openxmlformats.org/presentationml/2006/main">
+  <p:cSld>
+    <p:bg>
+      <p:bgPr>
+        <a:solidFill>
+          <a:srgbClr val="282A36"/>
+        </a:solidFill>
+        <a:effectLst/>
+      </p:bgPr>
+    </p:bg>
+    <p:spTree>
+      <p:nvGrpSpPr>
+        <p:cNvPr id="1" name=""/>
+        <p:cNvGrpSpPr/>
+        <p:nvPr/>
+      </p:nvGrpSpPr>
+      <p:grpSpPr>
+        <a:xfrm>
+          <a:off x="0" y="0"/>
+          <a:ext cx="0" cy="0"/>
+          <a:chOff x="0" y="0"/>
+          <a:chExt cx="0" cy="0"/>
+        </a:xfrm>
+      </p:grpSpPr>
+      <p:sp>
+        <p:nvSpPr>
+          <p:cNvPr id="3" name="Content Placeholder 2">
+            <a:extLst>
+              <a:ext uri="{FF2B5EF4-FFF2-40B4-BE49-F238E27FC236}">
+                <a16:creationId xmlns:a16="http://schemas.microsoft.com/office/drawing/2014/main" id="{F7C5230D-5434-41DC-B2B3-D4137C9AD1E1}"/>
+              </a:ext>
+            </a:extLst>
+          </p:cNvPr>
+          <p:cNvSpPr>
+            <a:spLocks noGrp="1"/>
+          </p:cNvSpPr>
+          <p:nvPr>
+            <p:ph idx="1"/>
+          </p:nvPr>
+        </p:nvSpPr>
+        <p:spPr>
+          <a:xfrm>
+            <a:off x="838200" y="377825"/>
+            <a:ext cx="10515600" cy="1080861"/>
+          </a:xfrm>
+        </p:spPr>
+        <p:txBody>
+          <a:bodyPr>
+            <a:normAutofit fontScale="62500" lnSpcReduction="20000"/>
+          </a:bodyPr>
+          <a:lstStyle/>
+          <a:p>
+            <a:pPr marL="0" indent="0" algn="ctr">
+              <a:buNone/>
+            </a:pPr>
+            <a:br>
+              <a:rPr lang="en-US" dirty="0">
+                <a:solidFill>
+                  <a:srgbClr val="BB629C"/>
+                </a:solidFill>
+              </a:rPr>
+            </a:br>
+            <a:br>
+              <a:rPr lang="en-US" sz="4400" dirty="0">
+                <a:solidFill>
+                  <a:srgbClr val="BB629C"/>
+                </a:solidFill>
+              </a:rPr>
+            </a:br>
+            <a:r>
+              <a:rPr lang="en-US" sz="6600" dirty="0">
+                <a:solidFill>
+                  <a:srgbClr val="BB629C"/>
+                </a:solidFill>
+              </a:rPr>
+              <a:t>SELECTS</a:t>
+            </a:r>
+            <a:endParaRPr lang="en-US" sz="4400" dirty="0">
+              <a:solidFill>
+                <a:srgbClr val="BB629C"/>
+              </a:solidFill>
+            </a:endParaRPr>
+          </a:p>
+          <a:p>
+            <a:pPr marL="0" indent="0" algn="ctr">
+              <a:buNone/>
+            </a:pPr>
+            <a:endParaRPr lang="en-US" sz="4000" dirty="0"/>
+          </a:p>
+        </p:txBody>
+      </p:sp>
+      <p:pic>
+        <p:nvPicPr>
+          <p:cNvPr id="4" name="Picture 3">
+            <a:extLst>
+              <a:ext uri="{FF2B5EF4-FFF2-40B4-BE49-F238E27FC236}">
+                <a16:creationId xmlns:a16="http://schemas.microsoft.com/office/drawing/2014/main" id="{7746EA07-A893-4AC4-96B0-1C0CB55FECC8}"/>
+              </a:ext>
+            </a:extLst>
+          </p:cNvPr>
+          <p:cNvPicPr>
+            <a:picLocks noChangeAspect="1"/>
+          </p:cNvPicPr>
+          <p:nvPr/>
+        </p:nvPicPr>
+        <p:blipFill>
+          <a:blip r:embed="rId2"/>
+          <a:stretch>
+            <a:fillRect/>
+          </a:stretch>
+        </p:blipFill>
+        <p:spPr>
+          <a:xfrm>
+            <a:off x="930107" y="1621972"/>
+            <a:ext cx="10331786" cy="1807028"/>
+          </a:xfrm>
+          <a:prstGeom prst="rect">
+            <a:avLst/>
+          </a:prstGeom>
+        </p:spPr>
+      </p:pic>
+      <p:pic>
+        <p:nvPicPr>
+          <p:cNvPr id="7" name="Picture 6" descr="A screenshot of a cell phone screen with text&#10;&#10;Description automatically generated">
+            <a:extLst>
+              <a:ext uri="{FF2B5EF4-FFF2-40B4-BE49-F238E27FC236}">
+                <a16:creationId xmlns:a16="http://schemas.microsoft.com/office/drawing/2014/main" id="{D9DD2ECE-114B-49AD-BB4A-AF7A6C2EFD02}"/>
+              </a:ext>
+            </a:extLst>
+          </p:cNvPr>
+          <p:cNvPicPr>
+            <a:picLocks noChangeAspect="1"/>
+          </p:cNvPicPr>
+          <p:nvPr/>
+        </p:nvPicPr>
+        <p:blipFill>
+          <a:blip r:embed="rId3">
+            <a:extLst>
+              <a:ext uri="{28A0092B-C50C-407E-A947-70E740481C1C}">
+                <a14:useLocalDpi xmlns:a14="http://schemas.microsoft.com/office/drawing/2010/main" val="0"/>
+              </a:ext>
+            </a:extLst>
+          </a:blip>
+          <a:stretch>
+            <a:fillRect/>
+          </a:stretch>
+        </p:blipFill>
+        <p:spPr>
+          <a:xfrm>
+            <a:off x="4012386" y="3592286"/>
+            <a:ext cx="4167228" cy="2460171"/>
+          </a:xfrm>
+          <a:prstGeom prst="rect">
+            <a:avLst/>
+          </a:prstGeom>
+        </p:spPr>
+      </p:pic>
+    </p:spTree>
+    <p:extLst>
+      <p:ext uri="{BB962C8B-B14F-4D97-AF65-F5344CB8AC3E}">
+        <p14:creationId xmlns:p14="http://schemas.microsoft.com/office/powerpoint/2010/main" val="736703317"/>
+      </p:ext>
+    </p:extLst>
+  </p:cSld>
+  <p:clrMapOvr>
+    <a:masterClrMapping/>
+  </p:clrMapOvr>
+</p:sld>
+</file>
+
+<file path=ppt/slides/slide18.xml><?xml version="1.0" encoding="utf-8"?>
+<p:sld xmlns:a="http://schemas.openxmlformats.org/drawingml/2006/main" xmlns:r="http://schemas.openxmlformats.org/officeDocument/2006/relationships" xmlns:p="http://schemas.openxmlformats.org/presentationml/2006/main">
+  <p:cSld>
+    <p:bg>
+      <p:bgPr>
+        <a:solidFill>
+          <a:srgbClr val="282A36"/>
+        </a:solidFill>
+        <a:effectLst/>
+      </p:bgPr>
+    </p:bg>
+    <p:spTree>
+      <p:nvGrpSpPr>
+        <p:cNvPr id="1" name=""/>
+        <p:cNvGrpSpPr/>
+        <p:nvPr/>
+      </p:nvGrpSpPr>
+      <p:grpSpPr>
+        <a:xfrm>
+          <a:off x="0" y="0"/>
+          <a:ext cx="0" cy="0"/>
+          <a:chOff x="0" y="0"/>
+          <a:chExt cx="0" cy="0"/>
+        </a:xfrm>
+      </p:grpSpPr>
+      <p:sp>
+        <p:nvSpPr>
+          <p:cNvPr id="3" name="Content Placeholder 2">
+            <a:extLst>
+              <a:ext uri="{FF2B5EF4-FFF2-40B4-BE49-F238E27FC236}">
+                <a16:creationId xmlns:a16="http://schemas.microsoft.com/office/drawing/2014/main" id="{F7C5230D-5434-41DC-B2B3-D4137C9AD1E1}"/>
+              </a:ext>
+            </a:extLst>
+          </p:cNvPr>
+          <p:cNvSpPr>
+            <a:spLocks noGrp="1"/>
+          </p:cNvSpPr>
+          <p:nvPr>
+            <p:ph idx="1"/>
+          </p:nvPr>
+        </p:nvSpPr>
+        <p:spPr>
+          <a:xfrm>
+            <a:off x="838200" y="377825"/>
+            <a:ext cx="10515600" cy="1080861"/>
+          </a:xfrm>
+        </p:spPr>
+        <p:txBody>
+          <a:bodyPr>
+            <a:normAutofit fontScale="62500" lnSpcReduction="20000"/>
+          </a:bodyPr>
+          <a:lstStyle/>
+          <a:p>
+            <a:pPr marL="0" indent="0" algn="ctr">
+              <a:buNone/>
+            </a:pPr>
+            <a:br>
+              <a:rPr lang="en-US" dirty="0">
+                <a:solidFill>
+                  <a:srgbClr val="BB629C"/>
+                </a:solidFill>
+              </a:rPr>
+            </a:br>
+            <a:br>
+              <a:rPr lang="en-US" sz="4400" dirty="0">
+                <a:solidFill>
+                  <a:srgbClr val="BB629C"/>
+                </a:solidFill>
+              </a:rPr>
+            </a:br>
+            <a:r>
+              <a:rPr lang="en-US" sz="6600" dirty="0">
+                <a:solidFill>
+                  <a:srgbClr val="BB629C"/>
+                </a:solidFill>
+              </a:rPr>
+              <a:t>SELECTS</a:t>
+            </a:r>
+            <a:endParaRPr lang="en-US" sz="4400" dirty="0">
+              <a:solidFill>
+                <a:srgbClr val="BB629C"/>
+              </a:solidFill>
+            </a:endParaRPr>
+          </a:p>
+          <a:p>
+            <a:pPr marL="0" indent="0" algn="ctr">
+              <a:buNone/>
+            </a:pPr>
+            <a:endParaRPr lang="en-US" sz="4000" dirty="0"/>
+          </a:p>
+        </p:txBody>
+      </p:sp>
+      <p:pic>
+        <p:nvPicPr>
+          <p:cNvPr id="4" name="Picture 3">
+            <a:extLst>
+              <a:ext uri="{FF2B5EF4-FFF2-40B4-BE49-F238E27FC236}">
+                <a16:creationId xmlns:a16="http://schemas.microsoft.com/office/drawing/2014/main" id="{217B90BA-01A4-42E5-AF94-E2CB90E55D70}"/>
+              </a:ext>
+            </a:extLst>
+          </p:cNvPr>
+          <p:cNvPicPr>
+            <a:picLocks noChangeAspect="1"/>
+          </p:cNvPicPr>
+          <p:nvPr/>
+        </p:nvPicPr>
+        <p:blipFill>
+          <a:blip r:embed="rId2"/>
+          <a:stretch>
+            <a:fillRect/>
+          </a:stretch>
+        </p:blipFill>
+        <p:spPr>
+          <a:xfrm>
+            <a:off x="838200" y="1621972"/>
+            <a:ext cx="10940140" cy="2188028"/>
+          </a:xfrm>
+          <a:prstGeom prst="rect">
+            <a:avLst/>
+          </a:prstGeom>
+        </p:spPr>
+      </p:pic>
+      <p:pic>
+        <p:nvPicPr>
+          <p:cNvPr id="7" name="Picture 6" descr="A close up of text on a white background&#10;&#10;Description automatically generated">
+            <a:extLst>
+              <a:ext uri="{FF2B5EF4-FFF2-40B4-BE49-F238E27FC236}">
+                <a16:creationId xmlns:a16="http://schemas.microsoft.com/office/drawing/2014/main" id="{2BFEE1F3-61AE-471C-94BE-6A9062726C00}"/>
+              </a:ext>
+            </a:extLst>
+          </p:cNvPr>
+          <p:cNvPicPr>
+            <a:picLocks noChangeAspect="1"/>
+          </p:cNvPicPr>
+          <p:nvPr/>
+        </p:nvPicPr>
+        <p:blipFill>
+          <a:blip r:embed="rId3">
+            <a:extLst>
+              <a:ext uri="{28A0092B-C50C-407E-A947-70E740481C1C}">
+                <a14:useLocalDpi xmlns:a14="http://schemas.microsoft.com/office/drawing/2010/main" val="0"/>
+              </a:ext>
+            </a:extLst>
+          </a:blip>
+          <a:stretch>
+            <a:fillRect/>
+          </a:stretch>
+        </p:blipFill>
+        <p:spPr>
+          <a:xfrm>
+            <a:off x="4386262" y="3799114"/>
+            <a:ext cx="3419475" cy="2590800"/>
+          </a:xfrm>
+          <a:prstGeom prst="rect">
+            <a:avLst/>
+          </a:prstGeom>
+        </p:spPr>
+      </p:pic>
+    </p:spTree>
+    <p:extLst>
+      <p:ext uri="{BB962C8B-B14F-4D97-AF65-F5344CB8AC3E}">
+        <p14:creationId xmlns:p14="http://schemas.microsoft.com/office/powerpoint/2010/main" val="1191473799"/>
+      </p:ext>
+    </p:extLst>
+  </p:cSld>
+  <p:clrMapOvr>
+    <a:masterClrMapping/>
+  </p:clrMapOvr>
+</p:sld>
+</file>
+
+<file path=ppt/slides/slide19.xml><?xml version="1.0" encoding="utf-8"?>
+<p:sld xmlns:a="http://schemas.openxmlformats.org/drawingml/2006/main" xmlns:r="http://schemas.openxmlformats.org/officeDocument/2006/relationships" xmlns:p="http://schemas.openxmlformats.org/presentationml/2006/main">
+  <p:cSld>
+    <p:bg>
+      <p:bgPr>
+        <a:solidFill>
+          <a:srgbClr val="282A36"/>
+        </a:solidFill>
+        <a:effectLst/>
+      </p:bgPr>
+    </p:bg>
+    <p:spTree>
+      <p:nvGrpSpPr>
+        <p:cNvPr id="1" name=""/>
+        <p:cNvGrpSpPr/>
+        <p:nvPr/>
+      </p:nvGrpSpPr>
+      <p:grpSpPr>
+        <a:xfrm>
+          <a:off x="0" y="0"/>
+          <a:ext cx="0" cy="0"/>
+          <a:chOff x="0" y="0"/>
+          <a:chExt cx="0" cy="0"/>
+        </a:xfrm>
+      </p:grpSpPr>
+      <p:sp>
+        <p:nvSpPr>
+          <p:cNvPr id="3" name="Content Placeholder 2">
+            <a:extLst>
+              <a:ext uri="{FF2B5EF4-FFF2-40B4-BE49-F238E27FC236}">
+                <a16:creationId xmlns:a16="http://schemas.microsoft.com/office/drawing/2014/main" id="{F7C5230D-5434-41DC-B2B3-D4137C9AD1E1}"/>
+              </a:ext>
+            </a:extLst>
+          </p:cNvPr>
+          <p:cNvSpPr>
+            <a:spLocks noGrp="1"/>
+          </p:cNvSpPr>
+          <p:nvPr>
+            <p:ph idx="1"/>
+          </p:nvPr>
+        </p:nvSpPr>
+        <p:spPr>
+          <a:xfrm>
+            <a:off x="838200" y="377825"/>
+            <a:ext cx="10515600" cy="1080861"/>
+          </a:xfrm>
+        </p:spPr>
+        <p:txBody>
+          <a:bodyPr>
+            <a:normAutofit fontScale="62500" lnSpcReduction="20000"/>
+          </a:bodyPr>
+          <a:lstStyle/>
+          <a:p>
+            <a:pPr marL="0" indent="0" algn="ctr">
+              <a:buNone/>
+            </a:pPr>
+            <a:br>
+              <a:rPr lang="en-US" dirty="0">
+                <a:solidFill>
+                  <a:srgbClr val="BB629C"/>
+                </a:solidFill>
+              </a:rPr>
+            </a:br>
+            <a:br>
+              <a:rPr lang="en-US" sz="4400" dirty="0">
+                <a:solidFill>
+                  <a:srgbClr val="BB629C"/>
+                </a:solidFill>
+              </a:rPr>
+            </a:br>
+            <a:r>
+              <a:rPr lang="en-US" sz="6600" dirty="0">
+                <a:solidFill>
+                  <a:srgbClr val="BB629C"/>
+                </a:solidFill>
+              </a:rPr>
+              <a:t>SELECTS</a:t>
+            </a:r>
+            <a:endParaRPr lang="en-US" sz="4400" dirty="0">
+              <a:solidFill>
+                <a:srgbClr val="BB629C"/>
+              </a:solidFill>
+            </a:endParaRPr>
+          </a:p>
+          <a:p>
+            <a:pPr marL="0" indent="0" algn="ctr">
+              <a:buNone/>
+            </a:pPr>
+            <a:endParaRPr lang="en-US" sz="4000" dirty="0"/>
+          </a:p>
+        </p:txBody>
+      </p:sp>
+      <p:pic>
+        <p:nvPicPr>
+          <p:cNvPr id="2" name="Picture 1">
+            <a:extLst>
+              <a:ext uri="{FF2B5EF4-FFF2-40B4-BE49-F238E27FC236}">
+                <a16:creationId xmlns:a16="http://schemas.microsoft.com/office/drawing/2014/main" id="{70B30E41-B5F7-4BDA-B26E-CFEC8DF17BAB}"/>
+              </a:ext>
+            </a:extLst>
+          </p:cNvPr>
+          <p:cNvPicPr>
+            <a:picLocks noChangeAspect="1"/>
+          </p:cNvPicPr>
+          <p:nvPr/>
+        </p:nvPicPr>
+        <p:blipFill>
+          <a:blip r:embed="rId2"/>
+          <a:stretch>
+            <a:fillRect/>
+          </a:stretch>
+        </p:blipFill>
+        <p:spPr>
+          <a:xfrm>
+            <a:off x="1385341" y="1468211"/>
+            <a:ext cx="9421315" cy="2330903"/>
+          </a:xfrm>
+          <a:prstGeom prst="rect">
+            <a:avLst/>
+          </a:prstGeom>
+        </p:spPr>
+      </p:pic>
+      <p:pic>
+        <p:nvPicPr>
+          <p:cNvPr id="6" name="Picture 5" descr="A screenshot of a cell phone&#10;&#10;Description automatically generated">
+            <a:extLst>
+              <a:ext uri="{FF2B5EF4-FFF2-40B4-BE49-F238E27FC236}">
+                <a16:creationId xmlns:a16="http://schemas.microsoft.com/office/drawing/2014/main" id="{91CAA045-0172-412D-B462-C67C1E0F1ABD}"/>
+              </a:ext>
+            </a:extLst>
+          </p:cNvPr>
+          <p:cNvPicPr>
+            <a:picLocks noChangeAspect="1"/>
+          </p:cNvPicPr>
+          <p:nvPr/>
+        </p:nvPicPr>
+        <p:blipFill>
+          <a:blip r:embed="rId3">
+            <a:extLst>
+              <a:ext uri="{28A0092B-C50C-407E-A947-70E740481C1C}">
+                <a14:useLocalDpi xmlns:a14="http://schemas.microsoft.com/office/drawing/2010/main" val="0"/>
+              </a:ext>
+            </a:extLst>
+          </a:blip>
+          <a:stretch>
+            <a:fillRect/>
+          </a:stretch>
+        </p:blipFill>
+        <p:spPr>
+          <a:xfrm>
+            <a:off x="4029676" y="4058329"/>
+            <a:ext cx="4132648" cy="1896156"/>
+          </a:xfrm>
+          <a:prstGeom prst="rect">
+            <a:avLst/>
+          </a:prstGeom>
+        </p:spPr>
+      </p:pic>
+    </p:spTree>
+    <p:extLst>
+      <p:ext uri="{BB962C8B-B14F-4D97-AF65-F5344CB8AC3E}">
+        <p14:creationId xmlns:p14="http://schemas.microsoft.com/office/powerpoint/2010/main" val="1329905912"/>
+      </p:ext>
+    </p:extLst>
+  </p:cSld>
+  <p:clrMapOvr>
+    <a:masterClrMapping/>
+  </p:clrMapOvr>
+</p:sld>
+</file>
+
+<file path=ppt/slides/slide2.xml><?xml version="1.0" encoding="utf-8"?>
+<p:sld xmlns:a="http://schemas.openxmlformats.org/drawingml/2006/main" xmlns:r="http://schemas.openxmlformats.org/officeDocument/2006/relationships" xmlns:p="http://schemas.openxmlformats.org/presentationml/2006/main">
+  <p:cSld>
+    <p:bg>
+      <p:bgPr>
+        <a:solidFill>
+          <a:srgbClr val="282A36"/>
+        </a:solidFill>
+        <a:effectLst/>
+      </p:bgPr>
+    </p:bg>
+    <p:spTree>
+      <p:nvGrpSpPr>
+        <p:cNvPr id="1" name=""/>
+        <p:cNvGrpSpPr/>
+        <p:nvPr/>
+      </p:nvGrpSpPr>
+      <p:grpSpPr>
+        <a:xfrm>
+          <a:off x="0" y="0"/>
+          <a:ext cx="0" cy="0"/>
+          <a:chOff x="0" y="0"/>
+          <a:chExt cx="0" cy="0"/>
+        </a:xfrm>
+      </p:grpSpPr>
+      <p:sp>
+        <p:nvSpPr>
           <p:cNvPr id="2" name="Title 1">
             <a:extLst>
               <a:ext uri="{FF2B5EF4-FFF2-40B4-BE49-F238E27FC236}">
@@ -3596,11 +4897,13 @@
             <a:pPr algn="ctr"/>
             <a:r>
               <a:rPr lang="en-US" dirty="0">
+                <a:solidFill>
+                  <a:srgbClr val="BB629C"/>
+                </a:solidFill>
                 <a:latin typeface="Bahnschrift" panose="020B0502040204020203" pitchFamily="34" charset="0"/>
               </a:rPr>
               <a:t>A LIVRARIA</a:t>
             </a:r>
-            <a:endParaRPr lang="en-US" dirty="0"/>
           </a:p>
         </p:txBody>
       </p:sp>
@@ -3623,71 +4926,617 @@
         <p:spPr/>
         <p:txBody>
           <a:bodyPr>
-            <a:normAutofit lnSpcReduction="10000"/>
+            <a:normAutofit/>
           </a:bodyPr>
           <a:lstStyle/>
           <a:p>
-            <a:r>
-              <a:rPr lang="pt-BR" dirty="0"/>
+            <a:pPr marL="0" indent="0" algn="just">
+              <a:buNone/>
+            </a:pPr>
+            <a:r>
+              <a:rPr lang="pt-BR" dirty="0">
+                <a:solidFill>
+                  <a:srgbClr val="C6DD71"/>
+                </a:solidFill>
+              </a:rPr>
+              <a:t>Lucas era alguém fascinado por livros, tanto que um dia decidiu abrir sua própria livraria. Para isso ele criou um sistema online em que são cadastrados: </a:t>
+            </a:r>
+            <a:r>
+              <a:rPr lang="pt-BR" i="1" dirty="0">
+                <a:solidFill>
+                  <a:srgbClr val="C6DD71"/>
+                </a:solidFill>
+              </a:rPr>
+              <a:t>o gênero, número de edição, gênero, ano de edição, ISBN, nome, e editora </a:t>
+            </a:r>
+            <a:r>
+              <a:rPr lang="pt-BR" dirty="0">
+                <a:solidFill>
+                  <a:srgbClr val="C6DD71"/>
+                </a:solidFill>
+              </a:rPr>
+              <a:t>dos livros. Os livros possuem exemplares, que são cadastrados informando suas</a:t>
+            </a:r>
+            <a:r>
+              <a:rPr lang="pt-BR" i="1" dirty="0">
+                <a:solidFill>
+                  <a:srgbClr val="C6DD71"/>
+                </a:solidFill>
+              </a:rPr>
+              <a:t> páginas, acabamento, país e idioma</a:t>
+            </a:r>
+            <a:r>
+              <a:rPr lang="pt-BR" dirty="0">
+                <a:solidFill>
+                  <a:srgbClr val="C6DD71"/>
+                </a:solidFill>
+              </a:rPr>
+              <a:t>. Existe um fornecedor para os livros que são entregues a loja, e para eles é informado o seu </a:t>
+            </a:r>
+            <a:r>
+              <a:rPr lang="pt-BR" i="1" dirty="0">
+                <a:solidFill>
+                  <a:srgbClr val="C6DD71"/>
+                </a:solidFill>
+              </a:rPr>
+              <a:t>ID, nome, empresa, a quantidade de livros e o horário </a:t>
+            </a:r>
+            <a:r>
+              <a:rPr lang="pt-BR" dirty="0">
+                <a:solidFill>
+                  <a:srgbClr val="C6DD71"/>
+                </a:solidFill>
+              </a:rPr>
+              <a:t>para qual os livros foram enviados, para melhor catalogar o que há em estoque. Para cada autor que escreve o livro, o sistema possui seu </a:t>
+            </a:r>
+            <a:r>
+              <a:rPr lang="pt-BR" i="1" dirty="0">
+                <a:solidFill>
+                  <a:srgbClr val="C6DD71"/>
+                </a:solidFill>
+              </a:rPr>
+              <a:t>nome e nacionalidade</a:t>
+            </a:r>
+            <a:r>
+              <a:rPr lang="pt-BR" dirty="0">
+                <a:solidFill>
+                  <a:srgbClr val="C6DD71"/>
+                </a:solidFill>
+              </a:rPr>
+              <a:t>. </a:t>
+            </a:r>
+            <a:endParaRPr lang="en-US" dirty="0">
+              <a:solidFill>
+                <a:srgbClr val="C6DD71"/>
+              </a:solidFill>
+            </a:endParaRPr>
+          </a:p>
+        </p:txBody>
+      </p:sp>
+    </p:spTree>
+    <p:extLst>
+      <p:ext uri="{BB962C8B-B14F-4D97-AF65-F5344CB8AC3E}">
+        <p14:creationId xmlns:p14="http://schemas.microsoft.com/office/powerpoint/2010/main" val="3979608468"/>
+      </p:ext>
+    </p:extLst>
+  </p:cSld>
+  <p:clrMapOvr>
+    <a:masterClrMapping/>
+  </p:clrMapOvr>
+</p:sld>
+</file>
+
+<file path=ppt/slides/slide20.xml><?xml version="1.0" encoding="utf-8"?>
+<p:sld xmlns:a="http://schemas.openxmlformats.org/drawingml/2006/main" xmlns:r="http://schemas.openxmlformats.org/officeDocument/2006/relationships" xmlns:p="http://schemas.openxmlformats.org/presentationml/2006/main">
+  <p:cSld>
+    <p:bg>
+      <p:bgPr>
+        <a:solidFill>
+          <a:srgbClr val="282A36"/>
+        </a:solidFill>
+        <a:effectLst/>
+      </p:bgPr>
+    </p:bg>
+    <p:spTree>
+      <p:nvGrpSpPr>
+        <p:cNvPr id="1" name=""/>
+        <p:cNvGrpSpPr/>
+        <p:nvPr/>
+      </p:nvGrpSpPr>
+      <p:grpSpPr>
+        <a:xfrm>
+          <a:off x="0" y="0"/>
+          <a:ext cx="0" cy="0"/>
+          <a:chOff x="0" y="0"/>
+          <a:chExt cx="0" cy="0"/>
+        </a:xfrm>
+      </p:grpSpPr>
+      <p:sp>
+        <p:nvSpPr>
+          <p:cNvPr id="3" name="Content Placeholder 2">
+            <a:extLst>
+              <a:ext uri="{FF2B5EF4-FFF2-40B4-BE49-F238E27FC236}">
+                <a16:creationId xmlns:a16="http://schemas.microsoft.com/office/drawing/2014/main" id="{F7C5230D-5434-41DC-B2B3-D4137C9AD1E1}"/>
+              </a:ext>
+            </a:extLst>
+          </p:cNvPr>
+          <p:cNvSpPr>
+            <a:spLocks noGrp="1"/>
+          </p:cNvSpPr>
+          <p:nvPr>
+            <p:ph idx="1"/>
+          </p:nvPr>
+        </p:nvSpPr>
+        <p:spPr>
+          <a:xfrm>
+            <a:off x="838200" y="377825"/>
+            <a:ext cx="10515600" cy="1080861"/>
+          </a:xfrm>
+        </p:spPr>
+        <p:txBody>
+          <a:bodyPr>
+            <a:normAutofit fontScale="62500" lnSpcReduction="20000"/>
+          </a:bodyPr>
+          <a:lstStyle/>
+          <a:p>
+            <a:pPr marL="0" indent="0" algn="ctr">
+              <a:buNone/>
+            </a:pPr>
+            <a:br>
+              <a:rPr lang="en-US" dirty="0">
+                <a:solidFill>
+                  <a:srgbClr val="BB629C"/>
+                </a:solidFill>
+              </a:rPr>
+            </a:br>
+            <a:br>
+              <a:rPr lang="en-US" sz="4400" dirty="0">
+                <a:solidFill>
+                  <a:srgbClr val="BB629C"/>
+                </a:solidFill>
+              </a:rPr>
+            </a:br>
+            <a:r>
+              <a:rPr lang="en-US" sz="6600" dirty="0">
+                <a:solidFill>
+                  <a:srgbClr val="BB629C"/>
+                </a:solidFill>
+              </a:rPr>
+              <a:t>SELECTS</a:t>
+            </a:r>
+            <a:endParaRPr lang="en-US" sz="4400" dirty="0">
+              <a:solidFill>
+                <a:srgbClr val="BB629C"/>
+              </a:solidFill>
+            </a:endParaRPr>
+          </a:p>
+          <a:p>
+            <a:pPr marL="0" indent="0" algn="ctr">
+              <a:buNone/>
+            </a:pPr>
+            <a:endParaRPr lang="en-US" sz="4000" dirty="0"/>
+          </a:p>
+        </p:txBody>
+      </p:sp>
+      <p:pic>
+        <p:nvPicPr>
+          <p:cNvPr id="4" name="Picture 3">
+            <a:extLst>
+              <a:ext uri="{FF2B5EF4-FFF2-40B4-BE49-F238E27FC236}">
+                <a16:creationId xmlns:a16="http://schemas.microsoft.com/office/drawing/2014/main" id="{83615008-489A-489E-87EA-49D87F6EEA60}"/>
+              </a:ext>
+            </a:extLst>
+          </p:cNvPr>
+          <p:cNvPicPr>
+            <a:picLocks noChangeAspect="1"/>
+          </p:cNvPicPr>
+          <p:nvPr/>
+        </p:nvPicPr>
+        <p:blipFill>
+          <a:blip r:embed="rId2"/>
+          <a:stretch>
+            <a:fillRect/>
+          </a:stretch>
+        </p:blipFill>
+        <p:spPr>
+          <a:xfrm>
+            <a:off x="408214" y="1674614"/>
+            <a:ext cx="11375571" cy="1125057"/>
+          </a:xfrm>
+          <a:prstGeom prst="rect">
+            <a:avLst/>
+          </a:prstGeom>
+        </p:spPr>
+      </p:pic>
+      <p:pic>
+        <p:nvPicPr>
+          <p:cNvPr id="7" name="Picture 6">
+            <a:extLst>
+              <a:ext uri="{FF2B5EF4-FFF2-40B4-BE49-F238E27FC236}">
+                <a16:creationId xmlns:a16="http://schemas.microsoft.com/office/drawing/2014/main" id="{EBD79516-CE61-4570-960C-763ED18CFE43}"/>
+              </a:ext>
+            </a:extLst>
+          </p:cNvPr>
+          <p:cNvPicPr>
+            <a:picLocks noChangeAspect="1"/>
+          </p:cNvPicPr>
+          <p:nvPr/>
+        </p:nvPicPr>
+        <p:blipFill>
+          <a:blip r:embed="rId3">
+            <a:extLst>
+              <a:ext uri="{28A0092B-C50C-407E-A947-70E740481C1C}">
+                <a14:useLocalDpi xmlns:a14="http://schemas.microsoft.com/office/drawing/2010/main" val="0"/>
+              </a:ext>
+            </a:extLst>
+          </a:blip>
+          <a:stretch>
+            <a:fillRect/>
+          </a:stretch>
+        </p:blipFill>
+        <p:spPr>
+          <a:xfrm>
+            <a:off x="3002093" y="3762927"/>
+            <a:ext cx="6187814" cy="1125057"/>
+          </a:xfrm>
+          <a:prstGeom prst="rect">
+            <a:avLst/>
+          </a:prstGeom>
+        </p:spPr>
+      </p:pic>
+    </p:spTree>
+    <p:extLst>
+      <p:ext uri="{BB962C8B-B14F-4D97-AF65-F5344CB8AC3E}">
+        <p14:creationId xmlns:p14="http://schemas.microsoft.com/office/powerpoint/2010/main" val="1722514844"/>
+      </p:ext>
+    </p:extLst>
+  </p:cSld>
+  <p:clrMapOvr>
+    <a:masterClrMapping/>
+  </p:clrMapOvr>
+</p:sld>
+</file>
+
+<file path=ppt/slides/slide21.xml><?xml version="1.0" encoding="utf-8"?>
+<p:sld xmlns:a="http://schemas.openxmlformats.org/drawingml/2006/main" xmlns:r="http://schemas.openxmlformats.org/officeDocument/2006/relationships" xmlns:p="http://schemas.openxmlformats.org/presentationml/2006/main">
+  <p:cSld>
+    <p:bg>
+      <p:bgPr>
+        <a:solidFill>
+          <a:srgbClr val="282A36"/>
+        </a:solidFill>
+        <a:effectLst/>
+      </p:bgPr>
+    </p:bg>
+    <p:spTree>
+      <p:nvGrpSpPr>
+        <p:cNvPr id="1" name=""/>
+        <p:cNvGrpSpPr/>
+        <p:nvPr/>
+      </p:nvGrpSpPr>
+      <p:grpSpPr>
+        <a:xfrm>
+          <a:off x="0" y="0"/>
+          <a:ext cx="0" cy="0"/>
+          <a:chOff x="0" y="0"/>
+          <a:chExt cx="0" cy="0"/>
+        </a:xfrm>
+      </p:grpSpPr>
+      <p:sp>
+        <p:nvSpPr>
+          <p:cNvPr id="3" name="Content Placeholder 2">
+            <a:extLst>
+              <a:ext uri="{FF2B5EF4-FFF2-40B4-BE49-F238E27FC236}">
+                <a16:creationId xmlns:a16="http://schemas.microsoft.com/office/drawing/2014/main" id="{F7C5230D-5434-41DC-B2B3-D4137C9AD1E1}"/>
+              </a:ext>
+            </a:extLst>
+          </p:cNvPr>
+          <p:cNvSpPr>
+            <a:spLocks noGrp="1"/>
+          </p:cNvSpPr>
+          <p:nvPr>
+            <p:ph idx="1"/>
+          </p:nvPr>
+        </p:nvSpPr>
+        <p:spPr/>
+        <p:txBody>
+          <a:bodyPr/>
+          <a:lstStyle/>
+          <a:p>
+            <a:pPr marL="0" indent="0" algn="ctr">
+              <a:buNone/>
+            </a:pPr>
+            <a:br>
+              <a:rPr lang="en-US" dirty="0"/>
+            </a:br>
+            <a:br>
+              <a:rPr lang="en-US" sz="4400" dirty="0"/>
+            </a:br>
+            <a:r>
+              <a:rPr lang="en-US" sz="4400" dirty="0">
+                <a:solidFill>
+                  <a:srgbClr val="BB629C"/>
+                </a:solidFill>
+              </a:rPr>
+              <a:t>MUITO OBRIGADO PELA ATENÇÃO</a:t>
+            </a:r>
+            <a:br>
+              <a:rPr lang="en-US" sz="4400" dirty="0">
+                <a:solidFill>
+                  <a:srgbClr val="BB629C"/>
+                </a:solidFill>
+              </a:rPr>
+            </a:br>
+            <a:br>
+              <a:rPr lang="en-US" sz="4400" dirty="0">
+                <a:solidFill>
+                  <a:srgbClr val="BB629C"/>
+                </a:solidFill>
+              </a:rPr>
+            </a:br>
+            <a:r>
+              <a:rPr lang="en-US" sz="4400" dirty="0">
+                <a:solidFill>
+                  <a:srgbClr val="C6DD71"/>
+                </a:solidFill>
+              </a:rPr>
+              <a:t>OS SCRIPTS PODEM SER ENCONTRADOS EM:</a:t>
+            </a:r>
+            <a:br>
+              <a:rPr lang="en-US" sz="4400" dirty="0">
+                <a:solidFill>
+                  <a:srgbClr val="C6DD71"/>
+                </a:solidFill>
+              </a:rPr>
+            </a:br>
+            <a:r>
+              <a:rPr lang="en-US" sz="3200" dirty="0">
+                <a:hlinkClick r:id="rId2"/>
+              </a:rPr>
+              <a:t>https://github.com/leon-lopes/librarySQL</a:t>
+            </a:r>
+            <a:endParaRPr lang="en-US" sz="4400" dirty="0">
+              <a:solidFill>
+                <a:srgbClr val="BB629C"/>
+              </a:solidFill>
+            </a:endParaRPr>
+          </a:p>
+          <a:p>
+            <a:pPr marL="0" indent="0" algn="ctr">
+              <a:buNone/>
+            </a:pPr>
+            <a:endParaRPr lang="en-US" sz="4000" dirty="0"/>
+          </a:p>
+        </p:txBody>
+      </p:sp>
+    </p:spTree>
+    <p:extLst>
+      <p:ext uri="{BB962C8B-B14F-4D97-AF65-F5344CB8AC3E}">
+        <p14:creationId xmlns:p14="http://schemas.microsoft.com/office/powerpoint/2010/main" val="2282715295"/>
+      </p:ext>
+    </p:extLst>
+  </p:cSld>
+  <p:clrMapOvr>
+    <a:masterClrMapping/>
+  </p:clrMapOvr>
+</p:sld>
+</file>
+
+<file path=ppt/slides/slide3.xml><?xml version="1.0" encoding="utf-8"?>
+<p:sld xmlns:a="http://schemas.openxmlformats.org/drawingml/2006/main" xmlns:r="http://schemas.openxmlformats.org/officeDocument/2006/relationships" xmlns:p="http://schemas.openxmlformats.org/presentationml/2006/main">
+  <p:cSld>
+    <p:bg>
+      <p:bgPr>
+        <a:solidFill>
+          <a:srgbClr val="282A36"/>
+        </a:solidFill>
+        <a:effectLst/>
+      </p:bgPr>
+    </p:bg>
+    <p:spTree>
+      <p:nvGrpSpPr>
+        <p:cNvPr id="1" name=""/>
+        <p:cNvGrpSpPr/>
+        <p:nvPr/>
+      </p:nvGrpSpPr>
+      <p:grpSpPr>
+        <a:xfrm>
+          <a:off x="0" y="0"/>
+          <a:ext cx="0" cy="0"/>
+          <a:chOff x="0" y="0"/>
+          <a:chExt cx="0" cy="0"/>
+        </a:xfrm>
+      </p:grpSpPr>
+      <p:sp>
+        <p:nvSpPr>
+          <p:cNvPr id="2" name="Title 1">
+            <a:extLst>
+              <a:ext uri="{FF2B5EF4-FFF2-40B4-BE49-F238E27FC236}">
+                <a16:creationId xmlns:a16="http://schemas.microsoft.com/office/drawing/2014/main" id="{CACB6475-F753-46E8-B7EE-694434143E97}"/>
+              </a:ext>
+            </a:extLst>
+          </p:cNvPr>
+          <p:cNvSpPr>
+            <a:spLocks noGrp="1"/>
+          </p:cNvSpPr>
+          <p:nvPr>
+            <p:ph type="title"/>
+          </p:nvPr>
+        </p:nvSpPr>
+        <p:spPr/>
+        <p:txBody>
+          <a:bodyPr/>
+          <a:lstStyle/>
+          <a:p>
+            <a:pPr algn="ctr"/>
+            <a:r>
+              <a:rPr lang="en-US" dirty="0">
+                <a:solidFill>
+                  <a:srgbClr val="BB629C"/>
+                </a:solidFill>
+                <a:latin typeface="Bahnschrift" panose="020B0502040204020203" pitchFamily="34" charset="0"/>
+              </a:rPr>
+              <a:t>A LIVRARIA</a:t>
+            </a:r>
+            <a:endParaRPr lang="en-US" dirty="0">
+              <a:solidFill>
+                <a:srgbClr val="BB629C"/>
+              </a:solidFill>
+            </a:endParaRPr>
+          </a:p>
+        </p:txBody>
+      </p:sp>
+      <p:sp>
+        <p:nvSpPr>
+          <p:cNvPr id="3" name="Content Placeholder 2">
+            <a:extLst>
+              <a:ext uri="{FF2B5EF4-FFF2-40B4-BE49-F238E27FC236}">
+                <a16:creationId xmlns:a16="http://schemas.microsoft.com/office/drawing/2014/main" id="{36C7357F-8FBE-4463-8792-2A88C8143A61}"/>
+              </a:ext>
+            </a:extLst>
+          </p:cNvPr>
+          <p:cNvSpPr>
+            <a:spLocks noGrp="1"/>
+          </p:cNvSpPr>
+          <p:nvPr>
+            <p:ph idx="1"/>
+          </p:nvPr>
+        </p:nvSpPr>
+        <p:spPr/>
+        <p:txBody>
+          <a:bodyPr>
+            <a:normAutofit/>
+          </a:bodyPr>
+          <a:lstStyle/>
+          <a:p>
+            <a:pPr marL="0" indent="0">
+              <a:buNone/>
+            </a:pPr>
+            <a:r>
+              <a:rPr lang="pt-BR" dirty="0">
+                <a:solidFill>
+                  <a:srgbClr val="C6DD71"/>
+                </a:solidFill>
+              </a:rPr>
               <a:t>Para que a loja do Lucas fique mais organizada, ele mantém um histórico das vendas de cada livro, informando o </a:t>
             </a:r>
             <a:r>
-              <a:rPr lang="pt-BR" i="1" dirty="0"/>
+              <a:rPr lang="pt-BR" i="1" dirty="0">
+                <a:solidFill>
+                  <a:srgbClr val="C6DD71"/>
+                </a:solidFill>
+              </a:rPr>
               <a:t>preço do livro </a:t>
             </a:r>
             <a:r>
-              <a:rPr lang="pt-BR" dirty="0"/>
+              <a:rPr lang="pt-BR" dirty="0">
+                <a:solidFill>
+                  <a:srgbClr val="C6DD71"/>
+                </a:solidFill>
+              </a:rPr>
               <a:t>e </a:t>
             </a:r>
             <a:r>
-              <a:rPr lang="pt-BR" i="1" dirty="0"/>
+              <a:rPr lang="pt-BR" i="1" dirty="0">
+                <a:solidFill>
+                  <a:srgbClr val="C6DD71"/>
+                </a:solidFill>
+              </a:rPr>
               <a:t>sua data/hora</a:t>
             </a:r>
             <a:r>
-              <a:rPr lang="pt-BR" dirty="0"/>
+              <a:rPr lang="pt-BR" dirty="0">
+                <a:solidFill>
+                  <a:srgbClr val="C6DD71"/>
+                </a:solidFill>
+              </a:rPr>
               <a:t>. Para as pessoas que adentram a loja ou compram online, existe um cadastro de cliente se ela comprou algo, e também existe o cadastro dos funcionários da loja. Independente se forem clientes ou funcionários, é preciso do </a:t>
             </a:r>
             <a:r>
-              <a:rPr lang="pt-BR" i="1" dirty="0"/>
+              <a:rPr lang="pt-BR" i="1" dirty="0">
+                <a:solidFill>
+                  <a:srgbClr val="C6DD71"/>
+                </a:solidFill>
+              </a:rPr>
               <a:t>CPF, nome </a:t>
             </a:r>
             <a:r>
-              <a:rPr lang="pt-BR" dirty="0"/>
+              <a:rPr lang="pt-BR" dirty="0">
+                <a:solidFill>
+                  <a:srgbClr val="C6DD71"/>
+                </a:solidFill>
+              </a:rPr>
               <a:t>e, para contato posterior</a:t>
             </a:r>
             <a:r>
-              <a:rPr lang="pt-BR" i="1" dirty="0"/>
+              <a:rPr lang="pt-BR" i="1" dirty="0">
+                <a:solidFill>
+                  <a:srgbClr val="C6DD71"/>
+                </a:solidFill>
+              </a:rPr>
               <a:t>, email e telefones.</a:t>
             </a:r>
             <a:r>
-              <a:rPr lang="pt-BR" dirty="0"/>
+              <a:rPr lang="pt-BR" dirty="0">
+                <a:solidFill>
+                  <a:srgbClr val="C6DD71"/>
+                </a:solidFill>
+              </a:rPr>
               <a:t> Para os Funcionários em específico, é necessário cadastrar seu </a:t>
             </a:r>
             <a:r>
-              <a:rPr lang="pt-BR" i="1" dirty="0"/>
+              <a:rPr lang="pt-BR" i="1" dirty="0">
+                <a:solidFill>
+                  <a:srgbClr val="C6DD71"/>
+                </a:solidFill>
+              </a:rPr>
               <a:t>cargo e RE</a:t>
             </a:r>
             <a:r>
-              <a:rPr lang="pt-BR" dirty="0"/>
+              <a:rPr lang="pt-BR" dirty="0">
+                <a:solidFill>
+                  <a:srgbClr val="C6DD71"/>
+                </a:solidFill>
+              </a:rPr>
               <a:t>, e para os Clientes a </a:t>
             </a:r>
             <a:r>
-              <a:rPr lang="pt-BR" i="1" dirty="0"/>
+              <a:rPr lang="pt-BR" i="1" dirty="0">
+                <a:solidFill>
+                  <a:srgbClr val="C6DD71"/>
+                </a:solidFill>
+              </a:rPr>
               <a:t>Cidade, Estado, Bairro e Rua</a:t>
             </a:r>
             <a:r>
-              <a:rPr lang="pt-BR" dirty="0"/>
+              <a:rPr lang="pt-BR" dirty="0">
+                <a:solidFill>
+                  <a:srgbClr val="C6DD71"/>
+                </a:solidFill>
+              </a:rPr>
               <a:t> para a entrega de livros caso seja realizada a compra online.Para qualquer venda solicitada por um cliente, um funcionário a realiza marcando a </a:t>
             </a:r>
             <a:r>
-              <a:rPr lang="pt-BR" i="1" dirty="0"/>
+              <a:rPr lang="pt-BR" i="1" dirty="0">
+                <a:solidFill>
+                  <a:srgbClr val="C6DD71"/>
+                </a:solidFill>
+              </a:rPr>
               <a:t>ID da ordem e</a:t>
             </a:r>
             <a:r>
-              <a:rPr lang="pt-BR" dirty="0"/>
+              <a:rPr lang="pt-BR" dirty="0">
+                <a:solidFill>
+                  <a:srgbClr val="C6DD71"/>
+                </a:solidFill>
+              </a:rPr>
               <a:t> a quantidade de livros e a data/hora da venda.</a:t>
             </a:r>
-            <a:endParaRPr lang="en-US" dirty="0"/>
+            <a:endParaRPr lang="en-US" dirty="0">
+              <a:solidFill>
+                <a:srgbClr val="C6DD71"/>
+              </a:solidFill>
+            </a:endParaRPr>
           </a:p>
         </p:txBody>
       </p:sp>
@@ -3707,6 +5556,14 @@
 <file path=ppt/slides/slide4.xml><?xml version="1.0" encoding="utf-8"?>
 <p:sld xmlns:a="http://schemas.openxmlformats.org/drawingml/2006/main" xmlns:r="http://schemas.openxmlformats.org/officeDocument/2006/relationships" xmlns:p="http://schemas.openxmlformats.org/presentationml/2006/main">
   <p:cSld>
+    <p:bg>
+      <p:bgPr>
+        <a:solidFill>
+          <a:srgbClr val="282A36"/>
+        </a:solidFill>
+        <a:effectLst/>
+      </p:bgPr>
+    </p:bg>
     <p:spTree>
       <p:nvGrpSpPr>
         <p:cNvPr id="1" name=""/>
@@ -3752,6 +5609,9 @@
             <a:pPr algn="ctr"/>
             <a:r>
               <a:rPr lang="en-US" dirty="0">
+                <a:solidFill>
+                  <a:srgbClr val="BB629C"/>
+                </a:solidFill>
                 <a:latin typeface="Bahnschrift" panose="020B0502040204020203" pitchFamily="34" charset="0"/>
               </a:rPr>
               <a:t>MODELO RELACIONAL</a:t>
@@ -3812,8 +5672,16 @@
 </file>
 
 <file path=ppt/slides/slide5.xml><?xml version="1.0" encoding="utf-8"?>
-<p:sld xmlns:a="http://schemas.openxmlformats.org/drawingml/2006/main" xmlns:r="http://schemas.openxmlformats.org/officeDocument/2006/relationships" xmlns:p="http://schemas.openxmlformats.org/presentationml/2006/main" show="0">
+<p:sld xmlns:a="http://schemas.openxmlformats.org/drawingml/2006/main" xmlns:r="http://schemas.openxmlformats.org/officeDocument/2006/relationships" xmlns:p="http://schemas.openxmlformats.org/presentationml/2006/main">
   <p:cSld>
+    <p:bg>
+      <p:bgPr>
+        <a:solidFill>
+          <a:srgbClr val="282A36"/>
+        </a:solidFill>
+        <a:effectLst/>
+      </p:bgPr>
+    </p:bg>
     <p:spTree>
       <p:nvGrpSpPr>
         <p:cNvPr id="1" name=""/>
@@ -3859,6 +5727,9 @@
             <a:pPr algn="ctr"/>
             <a:r>
               <a:rPr lang="en-US" dirty="0">
+                <a:solidFill>
+                  <a:srgbClr val="BB629C"/>
+                </a:solidFill>
                 <a:latin typeface="Bahnschrift" panose="020B0502040204020203" pitchFamily="34" charset="0"/>
               </a:rPr>
               <a:t>MODELO LÓGICO</a:t>
@@ -3868,10 +5739,10 @@
       </p:sp>
       <p:pic>
         <p:nvPicPr>
-          <p:cNvPr id="5" name="Content Placeholder 4">
-            <a:extLst>
-              <a:ext uri="{FF2B5EF4-FFF2-40B4-BE49-F238E27FC236}">
-                <a16:creationId xmlns:a16="http://schemas.microsoft.com/office/drawing/2014/main" id="{47732C5F-8730-42E8-99F5-BB5D8403AB3F}"/>
+          <p:cNvPr id="7" name="Content Placeholder 6" descr="A close up of a piece of paper&#10;&#10;Description automatically generated">
+            <a:extLst>
+              <a:ext uri="{FF2B5EF4-FFF2-40B4-BE49-F238E27FC236}">
+                <a16:creationId xmlns:a16="http://schemas.microsoft.com/office/drawing/2014/main" id="{5A7728D3-71CB-456D-AA51-F6A5A5B53C5C}"/>
               </a:ext>
             </a:extLst>
           </p:cNvPr>
@@ -3896,8 +5767,8 @@
         </p:blipFill>
         <p:spPr>
           <a:xfrm>
-            <a:off x="1193409" y="933177"/>
-            <a:ext cx="9805181" cy="5357406"/>
+            <a:off x="1588695" y="1015522"/>
+            <a:ext cx="9014610" cy="5499124"/>
           </a:xfrm>
         </p:spPr>
       </p:pic>
@@ -3917,6 +5788,14 @@
 <file path=ppt/slides/slide6.xml><?xml version="1.0" encoding="utf-8"?>
 <p:sld xmlns:a="http://schemas.openxmlformats.org/drawingml/2006/main" xmlns:r="http://schemas.openxmlformats.org/officeDocument/2006/relationships" xmlns:p="http://schemas.openxmlformats.org/presentationml/2006/main">
   <p:cSld>
+    <p:bg>
+      <p:bgPr>
+        <a:solidFill>
+          <a:srgbClr val="282A36"/>
+        </a:solidFill>
+        <a:effectLst/>
+      </p:bgPr>
+    </p:bg>
     <p:spTree>
       <p:nvGrpSpPr>
         <p:cNvPr id="1" name=""/>
@@ -3933,101 +5812,68 @@
       </p:grpSpPr>
       <p:sp>
         <p:nvSpPr>
-          <p:cNvPr id="2" name="Title 1">
-            <a:extLst>
-              <a:ext uri="{FF2B5EF4-FFF2-40B4-BE49-F238E27FC236}">
-                <a16:creationId xmlns:a16="http://schemas.microsoft.com/office/drawing/2014/main" id="{C0EB455C-E503-4A78-9D91-4C296E6B2294}"/>
-              </a:ext>
-            </a:extLst>
-          </p:cNvPr>
-          <p:cNvSpPr>
-            <a:spLocks noGrp="1"/>
-          </p:cNvSpPr>
-          <p:nvPr>
-            <p:ph type="title"/>
-          </p:nvPr>
-        </p:nvSpPr>
-        <p:spPr>
-          <a:xfrm>
-            <a:off x="3539783" y="434385"/>
-            <a:ext cx="5112434" cy="315912"/>
-          </a:xfrm>
-        </p:spPr>
-        <p:txBody>
-          <a:bodyPr>
-            <a:normAutofit fontScale="90000"/>
-          </a:bodyPr>
-          <a:lstStyle/>
-          <a:p>
-            <a:pPr algn="ctr"/>
-            <a:r>
+          <p:cNvPr id="3" name="Content Placeholder 2">
+            <a:extLst>
+              <a:ext uri="{FF2B5EF4-FFF2-40B4-BE49-F238E27FC236}">
+                <a16:creationId xmlns:a16="http://schemas.microsoft.com/office/drawing/2014/main" id="{F7C5230D-5434-41DC-B2B3-D4137C9AD1E1}"/>
+              </a:ext>
+            </a:extLst>
+          </p:cNvPr>
+          <p:cNvSpPr>
+            <a:spLocks noGrp="1"/>
+          </p:cNvSpPr>
+          <p:nvPr>
+            <p:ph idx="1"/>
+          </p:nvPr>
+        </p:nvSpPr>
+        <p:spPr/>
+        <p:txBody>
+          <a:bodyPr/>
+          <a:lstStyle/>
+          <a:p>
+            <a:pPr marL="0" indent="0" algn="ctr">
+              <a:buNone/>
+            </a:pPr>
+            <a:br>
               <a:rPr lang="en-US" dirty="0">
-                <a:latin typeface="Bahnschrift" panose="020B0502040204020203" pitchFamily="34" charset="0"/>
-              </a:rPr>
-              <a:t>MODELO LÓGICO</a:t>
-            </a:r>
-          </a:p>
-        </p:txBody>
-      </p:sp>
-      <p:sp>
-        <p:nvSpPr>
-          <p:cNvPr id="4" name="Espaço Reservado para Conteúdo 3">
-            <a:extLst>
-              <a:ext uri="{FF2B5EF4-FFF2-40B4-BE49-F238E27FC236}">
-                <a16:creationId xmlns:a16="http://schemas.microsoft.com/office/drawing/2014/main" id="{36BC6919-8F02-4D73-A5EC-E1F926C46CFE}"/>
-              </a:ext>
-            </a:extLst>
-          </p:cNvPr>
-          <p:cNvSpPr>
-            <a:spLocks noGrp="1"/>
-          </p:cNvSpPr>
-          <p:nvPr>
-            <p:ph idx="1"/>
-          </p:nvPr>
-        </p:nvSpPr>
-        <p:spPr/>
-        <p:txBody>
-          <a:bodyPr/>
-          <a:lstStyle/>
-          <a:p>
-            <a:endParaRPr lang="pt-BR"/>
-          </a:p>
-        </p:txBody>
-      </p:sp>
-      <p:pic>
-        <p:nvPicPr>
-          <p:cNvPr id="6" name="Imagem 5">
-            <a:extLst>
-              <a:ext uri="{FF2B5EF4-FFF2-40B4-BE49-F238E27FC236}">
-                <a16:creationId xmlns:a16="http://schemas.microsoft.com/office/drawing/2014/main" id="{292EF908-2F52-44B8-BC6A-2E66127AC20F}"/>
-              </a:ext>
-            </a:extLst>
-          </p:cNvPr>
-          <p:cNvPicPr>
-            <a:picLocks noChangeAspect="1"/>
-          </p:cNvPicPr>
-          <p:nvPr/>
-        </p:nvPicPr>
-        <p:blipFill>
-          <a:blip r:embed="rId2"/>
-          <a:stretch>
-            <a:fillRect/>
-          </a:stretch>
-        </p:blipFill>
-        <p:spPr>
-          <a:xfrm>
-            <a:off x="1410884" y="1000124"/>
-            <a:ext cx="9370231" cy="5622139"/>
-          </a:xfrm>
-          <a:prstGeom prst="rect">
-            <a:avLst/>
-          </a:prstGeom>
-        </p:spPr>
-      </p:pic>
+                <a:solidFill>
+                  <a:srgbClr val="BB629C"/>
+                </a:solidFill>
+              </a:rPr>
+            </a:br>
+            <a:br>
+              <a:rPr lang="en-US" sz="4400" dirty="0">
+                <a:solidFill>
+                  <a:srgbClr val="BB629C"/>
+                </a:solidFill>
+              </a:rPr>
+            </a:br>
+            <a:r>
+              <a:rPr lang="en-US" sz="6600" dirty="0">
+                <a:solidFill>
+                  <a:srgbClr val="BB629C"/>
+                </a:solidFill>
+              </a:rPr>
+              <a:t>DDL</a:t>
+            </a:r>
+            <a:endParaRPr lang="en-US" sz="4400" dirty="0">
+              <a:solidFill>
+                <a:srgbClr val="BB629C"/>
+              </a:solidFill>
+            </a:endParaRPr>
+          </a:p>
+          <a:p>
+            <a:pPr marL="0" indent="0" algn="ctr">
+              <a:buNone/>
+            </a:pPr>
+            <a:endParaRPr lang="en-US" sz="4000" dirty="0"/>
+          </a:p>
+        </p:txBody>
+      </p:sp>
     </p:spTree>
     <p:extLst>
       <p:ext uri="{BB962C8B-B14F-4D97-AF65-F5344CB8AC3E}">
-        <p14:creationId xmlns:p14="http://schemas.microsoft.com/office/powerpoint/2010/main" val="4021863371"/>
+        <p14:creationId xmlns:p14="http://schemas.microsoft.com/office/powerpoint/2010/main" val="2048592459"/>
       </p:ext>
     </p:extLst>
   </p:cSld>
@@ -4040,6 +5886,14 @@
 <file path=ppt/slides/slide7.xml><?xml version="1.0" encoding="utf-8"?>
 <p:sld xmlns:a="http://schemas.openxmlformats.org/drawingml/2006/main" xmlns:r="http://schemas.openxmlformats.org/officeDocument/2006/relationships" xmlns:p="http://schemas.openxmlformats.org/presentationml/2006/main">
   <p:cSld>
+    <p:bg>
+      <p:bgPr>
+        <a:solidFill>
+          <a:srgbClr val="282A36"/>
+        </a:solidFill>
+        <a:effectLst/>
+      </p:bgPr>
+    </p:bg>
     <p:spTree>
       <p:nvGrpSpPr>
         <p:cNvPr id="1" name=""/>
@@ -4078,20 +5932,13 @@
             <a:pPr marL="0" indent="0" algn="ctr">
               <a:buNone/>
             </a:pPr>
-            <a:r>
-              <a:rPr lang="en-US" dirty="0"/>
-              <a:t>Continua…</a:t>
-            </a:r>
             <a:br>
               <a:rPr lang="en-US" dirty="0"/>
             </a:br>
             <a:br>
               <a:rPr lang="en-US" sz="4400" dirty="0"/>
             </a:br>
-            <a:r>
-              <a:rPr lang="en-US" sz="4400" dirty="0"/>
-              <a:t>MUITO OBRIGADO PELA ATENÇÃO</a:t>
-            </a:r>
+            <a:endParaRPr lang="en-US" sz="4400" dirty="0"/>
           </a:p>
           <a:p>
             <a:pPr marL="0" indent="0" algn="ctr">
@@ -4101,10 +5948,246 @@
           </a:p>
         </p:txBody>
       </p:sp>
+      <p:pic>
+        <p:nvPicPr>
+          <p:cNvPr id="2" name="Picture 1">
+            <a:extLst>
+              <a:ext uri="{FF2B5EF4-FFF2-40B4-BE49-F238E27FC236}">
+                <a16:creationId xmlns:a16="http://schemas.microsoft.com/office/drawing/2014/main" id="{52727D3B-4A65-4A43-9CD5-8F221DEFF708}"/>
+              </a:ext>
+            </a:extLst>
+          </p:cNvPr>
+          <p:cNvPicPr>
+            <a:picLocks noChangeAspect="1"/>
+          </p:cNvPicPr>
+          <p:nvPr/>
+        </p:nvPicPr>
+        <p:blipFill>
+          <a:blip r:embed="rId2"/>
+          <a:stretch>
+            <a:fillRect/>
+          </a:stretch>
+        </p:blipFill>
+        <p:spPr>
+          <a:xfrm>
+            <a:off x="838200" y="203226"/>
+            <a:ext cx="7405254" cy="6451547"/>
+          </a:xfrm>
+          <a:prstGeom prst="rect">
+            <a:avLst/>
+          </a:prstGeom>
+        </p:spPr>
+      </p:pic>
     </p:spTree>
     <p:extLst>
       <p:ext uri="{BB962C8B-B14F-4D97-AF65-F5344CB8AC3E}">
-        <p14:creationId xmlns:p14="http://schemas.microsoft.com/office/powerpoint/2010/main" val="2282715295"/>
+        <p14:creationId xmlns:p14="http://schemas.microsoft.com/office/powerpoint/2010/main" val="433388053"/>
+      </p:ext>
+    </p:extLst>
+  </p:cSld>
+  <p:clrMapOvr>
+    <a:masterClrMapping/>
+  </p:clrMapOvr>
+</p:sld>
+</file>
+
+<file path=ppt/slides/slide8.xml><?xml version="1.0" encoding="utf-8"?>
+<p:sld xmlns:a="http://schemas.openxmlformats.org/drawingml/2006/main" xmlns:r="http://schemas.openxmlformats.org/officeDocument/2006/relationships" xmlns:p="http://schemas.openxmlformats.org/presentationml/2006/main">
+  <p:cSld>
+    <p:bg>
+      <p:bgPr>
+        <a:solidFill>
+          <a:srgbClr val="282A36"/>
+        </a:solidFill>
+        <a:effectLst/>
+      </p:bgPr>
+    </p:bg>
+    <p:spTree>
+      <p:nvGrpSpPr>
+        <p:cNvPr id="1" name=""/>
+        <p:cNvGrpSpPr/>
+        <p:nvPr/>
+      </p:nvGrpSpPr>
+      <p:grpSpPr>
+        <a:xfrm>
+          <a:off x="0" y="0"/>
+          <a:ext cx="0" cy="0"/>
+          <a:chOff x="0" y="0"/>
+          <a:chExt cx="0" cy="0"/>
+        </a:xfrm>
+      </p:grpSpPr>
+      <p:sp>
+        <p:nvSpPr>
+          <p:cNvPr id="3" name="Content Placeholder 2">
+            <a:extLst>
+              <a:ext uri="{FF2B5EF4-FFF2-40B4-BE49-F238E27FC236}">
+                <a16:creationId xmlns:a16="http://schemas.microsoft.com/office/drawing/2014/main" id="{F7C5230D-5434-41DC-B2B3-D4137C9AD1E1}"/>
+              </a:ext>
+            </a:extLst>
+          </p:cNvPr>
+          <p:cNvSpPr>
+            <a:spLocks noGrp="1"/>
+          </p:cNvSpPr>
+          <p:nvPr>
+            <p:ph idx="1"/>
+          </p:nvPr>
+        </p:nvSpPr>
+        <p:spPr/>
+        <p:txBody>
+          <a:bodyPr/>
+          <a:lstStyle/>
+          <a:p>
+            <a:pPr marL="0" indent="0" algn="ctr">
+              <a:buNone/>
+            </a:pPr>
+            <a:br>
+              <a:rPr lang="en-US" dirty="0"/>
+            </a:br>
+            <a:br>
+              <a:rPr lang="en-US" sz="4400" dirty="0"/>
+            </a:br>
+            <a:endParaRPr lang="en-US" sz="4400" dirty="0"/>
+          </a:p>
+          <a:p>
+            <a:pPr marL="0" indent="0" algn="ctr">
+              <a:buNone/>
+            </a:pPr>
+            <a:endParaRPr lang="en-US" sz="4000" dirty="0"/>
+          </a:p>
+        </p:txBody>
+      </p:sp>
+      <p:pic>
+        <p:nvPicPr>
+          <p:cNvPr id="2" name="Picture 1">
+            <a:extLst>
+              <a:ext uri="{FF2B5EF4-FFF2-40B4-BE49-F238E27FC236}">
+                <a16:creationId xmlns:a16="http://schemas.microsoft.com/office/drawing/2014/main" id="{59D4D7B0-19C9-4C34-BC41-D2328AA7A0CB}"/>
+              </a:ext>
+            </a:extLst>
+          </p:cNvPr>
+          <p:cNvPicPr>
+            <a:picLocks noChangeAspect="1"/>
+          </p:cNvPicPr>
+          <p:nvPr/>
+        </p:nvPicPr>
+        <p:blipFill>
+          <a:blip r:embed="rId2"/>
+          <a:stretch>
+            <a:fillRect/>
+          </a:stretch>
+        </p:blipFill>
+        <p:spPr>
+          <a:xfrm>
+            <a:off x="747581" y="534482"/>
+            <a:ext cx="10696837" cy="5789036"/>
+          </a:xfrm>
+          <a:prstGeom prst="rect">
+            <a:avLst/>
+          </a:prstGeom>
+        </p:spPr>
+      </p:pic>
+    </p:spTree>
+    <p:extLst>
+      <p:ext uri="{BB962C8B-B14F-4D97-AF65-F5344CB8AC3E}">
+        <p14:creationId xmlns:p14="http://schemas.microsoft.com/office/powerpoint/2010/main" val="2357165910"/>
+      </p:ext>
+    </p:extLst>
+  </p:cSld>
+  <p:clrMapOvr>
+    <a:masterClrMapping/>
+  </p:clrMapOvr>
+</p:sld>
+</file>
+
+<file path=ppt/slides/slide9.xml><?xml version="1.0" encoding="utf-8"?>
+<p:sld xmlns:a="http://schemas.openxmlformats.org/drawingml/2006/main" xmlns:r="http://schemas.openxmlformats.org/officeDocument/2006/relationships" xmlns:p="http://schemas.openxmlformats.org/presentationml/2006/main">
+  <p:cSld>
+    <p:bg>
+      <p:bgPr>
+        <a:solidFill>
+          <a:srgbClr val="282A36"/>
+        </a:solidFill>
+        <a:effectLst/>
+      </p:bgPr>
+    </p:bg>
+    <p:spTree>
+      <p:nvGrpSpPr>
+        <p:cNvPr id="1" name=""/>
+        <p:cNvGrpSpPr/>
+        <p:nvPr/>
+      </p:nvGrpSpPr>
+      <p:grpSpPr>
+        <a:xfrm>
+          <a:off x="0" y="0"/>
+          <a:ext cx="0" cy="0"/>
+          <a:chOff x="0" y="0"/>
+          <a:chExt cx="0" cy="0"/>
+        </a:xfrm>
+      </p:grpSpPr>
+      <p:sp>
+        <p:nvSpPr>
+          <p:cNvPr id="3" name="Content Placeholder 2">
+            <a:extLst>
+              <a:ext uri="{FF2B5EF4-FFF2-40B4-BE49-F238E27FC236}">
+                <a16:creationId xmlns:a16="http://schemas.microsoft.com/office/drawing/2014/main" id="{F7C5230D-5434-41DC-B2B3-D4137C9AD1E1}"/>
+              </a:ext>
+            </a:extLst>
+          </p:cNvPr>
+          <p:cNvSpPr>
+            <a:spLocks noGrp="1"/>
+          </p:cNvSpPr>
+          <p:nvPr>
+            <p:ph idx="1"/>
+          </p:nvPr>
+        </p:nvSpPr>
+        <p:spPr/>
+        <p:txBody>
+          <a:bodyPr/>
+          <a:lstStyle/>
+          <a:p>
+            <a:pPr marL="0" indent="0" algn="ctr">
+              <a:buNone/>
+            </a:pPr>
+            <a:br>
+              <a:rPr lang="en-US" dirty="0">
+                <a:solidFill>
+                  <a:srgbClr val="BB629C"/>
+                </a:solidFill>
+              </a:rPr>
+            </a:br>
+            <a:br>
+              <a:rPr lang="en-US" sz="4400" dirty="0">
+                <a:solidFill>
+                  <a:srgbClr val="BB629C"/>
+                </a:solidFill>
+              </a:rPr>
+            </a:br>
+            <a:r>
+              <a:rPr lang="en-US" sz="6600" dirty="0">
+                <a:solidFill>
+                  <a:srgbClr val="BB629C"/>
+                </a:solidFill>
+              </a:rPr>
+              <a:t>DML</a:t>
+            </a:r>
+            <a:endParaRPr lang="en-US" sz="4400" dirty="0">
+              <a:solidFill>
+                <a:srgbClr val="BB629C"/>
+              </a:solidFill>
+            </a:endParaRPr>
+          </a:p>
+          <a:p>
+            <a:pPr marL="0" indent="0" algn="ctr">
+              <a:buNone/>
+            </a:pPr>
+            <a:endParaRPr lang="en-US" sz="4000" dirty="0"/>
+          </a:p>
+        </p:txBody>
+      </p:sp>
+    </p:spTree>
+    <p:extLst>
+      <p:ext uri="{BB962C8B-B14F-4D97-AF65-F5344CB8AC3E}">
+        <p14:creationId xmlns:p14="http://schemas.microsoft.com/office/powerpoint/2010/main" val="3763994826"/>
       </p:ext>
     </p:extLst>
   </p:cSld>
